--- a/Bloque 1 - Introducción al desarrollo multiplataforma con .NET MAUI/Taller3 - Anatomía de una App .NET MAUI.pptx
+++ b/Bloque 1 - Introducción al desarrollo multiplataforma con .NET MAUI/Taller3 - Anatomía de una App .NET MAUI.pptx
@@ -6,11 +6,15 @@
     <p:sldMasterId id="2147483793" r:id="rId2"/>
   </p:sldMasterIdLst>
   <p:notesMasterIdLst>
-    <p:notesMasterId r:id="rId5"/>
+    <p:notesMasterId r:id="rId9"/>
   </p:notesMasterIdLst>
   <p:sldIdLst>
     <p:sldId id="291" r:id="rId3"/>
-    <p:sldId id="282" r:id="rId4"/>
+    <p:sldId id="295" r:id="rId4"/>
+    <p:sldId id="296" r:id="rId5"/>
+    <p:sldId id="297" r:id="rId6"/>
+    <p:sldId id="298" r:id="rId7"/>
+    <p:sldId id="282" r:id="rId8"/>
   </p:sldIdLst>
   <p:sldSz cx="12192000" cy="6858000"/>
   <p:notesSz cx="6858000" cy="9144000"/>
@@ -3449,7 +3453,7 @@
           <a:p>
             <a:fld id="{A334C884-B1D7-A043-A4AA-521744755A4B}" type="datetimeFigureOut">
               <a:rPr lang="en-US" smtClean="0"/>
-              <a:t>4/2/2022</a:t>
+              <a:t>4/3/2022</a:t>
             </a:fld>
             <a:endParaRPr lang="en-US"/>
           </a:p>
@@ -3766,6 +3770,174 @@
       </p:sp>
       <p:sp>
         <p:nvSpPr>
+          <p:cNvPr id="4" name="Slide Number Placeholder 3"/>
+          <p:cNvSpPr>
+            <a:spLocks noGrp="1"/>
+          </p:cNvSpPr>
+          <p:nvPr>
+            <p:ph type="sldNum" sz="quarter" idx="10"/>
+          </p:nvPr>
+        </p:nvSpPr>
+        <p:spPr/>
+        <p:txBody>
+          <a:bodyPr/>
+          <a:lstStyle/>
+          <a:p>
+            <a:fld id="{9A022845-941E-7C42-8070-12AD873FCE1E}" type="slidenum">
+              <a:rPr lang="en-US" smtClean="0"/>
+              <a:t>2</a:t>
+            </a:fld>
+            <a:endParaRPr lang="en-US"/>
+          </a:p>
+        </p:txBody>
+      </p:sp>
+    </p:spTree>
+    <p:extLst>
+      <p:ext uri="{BB962C8B-B14F-4D97-AF65-F5344CB8AC3E}">
+        <p14:creationId xmlns:p14="http://schemas.microsoft.com/office/powerpoint/2010/main" val="1848604429"/>
+      </p:ext>
+    </p:extLst>
+  </p:cSld>
+  <p:clrMapOvr>
+    <a:masterClrMapping/>
+  </p:clrMapOvr>
+</p:notes>
+</file>
+
+<file path=ppt/notesSlides/notesSlide2.xml><?xml version="1.0" encoding="utf-8"?>
+<p:notes xmlns:a="http://schemas.openxmlformats.org/drawingml/2006/main" xmlns:r="http://schemas.openxmlformats.org/officeDocument/2006/relationships" xmlns:p="http://schemas.openxmlformats.org/presentationml/2006/main">
+  <p:cSld>
+    <p:spTree>
+      <p:nvGrpSpPr>
+        <p:cNvPr id="1" name=""/>
+        <p:cNvGrpSpPr/>
+        <p:nvPr/>
+      </p:nvGrpSpPr>
+      <p:grpSpPr>
+        <a:xfrm>
+          <a:off x="0" y="0"/>
+          <a:ext cx="0" cy="0"/>
+          <a:chOff x="0" y="0"/>
+          <a:chExt cx="0" cy="0"/>
+        </a:xfrm>
+      </p:grpSpPr>
+      <p:sp>
+        <p:nvSpPr>
+          <p:cNvPr id="2" name="Slide Image Placeholder 1"/>
+          <p:cNvSpPr>
+            <a:spLocks noGrp="1" noRot="1" noChangeAspect="1"/>
+          </p:cNvSpPr>
+          <p:nvPr>
+            <p:ph type="sldImg"/>
+          </p:nvPr>
+        </p:nvSpPr>
+        <p:spPr/>
+      </p:sp>
+      <p:sp>
+        <p:nvSpPr>
+          <p:cNvPr id="3" name="Notes Placeholder 2"/>
+          <p:cNvSpPr>
+            <a:spLocks noGrp="1"/>
+          </p:cNvSpPr>
+          <p:nvPr>
+            <p:ph type="body" idx="1"/>
+          </p:nvPr>
+        </p:nvSpPr>
+        <p:spPr/>
+        <p:txBody>
+          <a:bodyPr/>
+          <a:lstStyle/>
+          <a:p>
+            <a:endParaRPr lang="en-US" dirty="0"/>
+          </a:p>
+        </p:txBody>
+      </p:sp>
+      <p:sp>
+        <p:nvSpPr>
+          <p:cNvPr id="4" name="Slide Number Placeholder 3"/>
+          <p:cNvSpPr>
+            <a:spLocks noGrp="1"/>
+          </p:cNvSpPr>
+          <p:nvPr>
+            <p:ph type="sldNum" sz="quarter" idx="10"/>
+          </p:nvPr>
+        </p:nvSpPr>
+        <p:spPr/>
+        <p:txBody>
+          <a:bodyPr/>
+          <a:lstStyle/>
+          <a:p>
+            <a:fld id="{9A022845-941E-7C42-8070-12AD873FCE1E}" type="slidenum">
+              <a:rPr lang="en-US" smtClean="0"/>
+              <a:t>3</a:t>
+            </a:fld>
+            <a:endParaRPr lang="en-US"/>
+          </a:p>
+        </p:txBody>
+      </p:sp>
+    </p:spTree>
+    <p:extLst>
+      <p:ext uri="{BB962C8B-B14F-4D97-AF65-F5344CB8AC3E}">
+        <p14:creationId xmlns:p14="http://schemas.microsoft.com/office/powerpoint/2010/main" val="1594121782"/>
+      </p:ext>
+    </p:extLst>
+  </p:cSld>
+  <p:clrMapOvr>
+    <a:masterClrMapping/>
+  </p:clrMapOvr>
+</p:notes>
+</file>
+
+<file path=ppt/notesSlides/notesSlide3.xml><?xml version="1.0" encoding="utf-8"?>
+<p:notes xmlns:a="http://schemas.openxmlformats.org/drawingml/2006/main" xmlns:r="http://schemas.openxmlformats.org/officeDocument/2006/relationships" xmlns:p="http://schemas.openxmlformats.org/presentationml/2006/main">
+  <p:cSld>
+    <p:spTree>
+      <p:nvGrpSpPr>
+        <p:cNvPr id="1" name=""/>
+        <p:cNvGrpSpPr/>
+        <p:nvPr/>
+      </p:nvGrpSpPr>
+      <p:grpSpPr>
+        <a:xfrm>
+          <a:off x="0" y="0"/>
+          <a:ext cx="0" cy="0"/>
+          <a:chOff x="0" y="0"/>
+          <a:chExt cx="0" cy="0"/>
+        </a:xfrm>
+      </p:grpSpPr>
+      <p:sp>
+        <p:nvSpPr>
+          <p:cNvPr id="2" name="Slide Image Placeholder 1"/>
+          <p:cNvSpPr>
+            <a:spLocks noGrp="1" noRot="1" noChangeAspect="1"/>
+          </p:cNvSpPr>
+          <p:nvPr>
+            <p:ph type="sldImg"/>
+          </p:nvPr>
+        </p:nvSpPr>
+        <p:spPr/>
+      </p:sp>
+      <p:sp>
+        <p:nvSpPr>
+          <p:cNvPr id="3" name="Notes Placeholder 2"/>
+          <p:cNvSpPr>
+            <a:spLocks noGrp="1"/>
+          </p:cNvSpPr>
+          <p:nvPr>
+            <p:ph type="body" idx="1"/>
+          </p:nvPr>
+        </p:nvSpPr>
+        <p:spPr/>
+        <p:txBody>
+          <a:bodyPr/>
+          <a:lstStyle/>
+          <a:p>
+            <a:endParaRPr lang="en-US" dirty="0"/>
+          </a:p>
+        </p:txBody>
+      </p:sp>
+      <p:sp>
+        <p:nvSpPr>
           <p:cNvPr id="4" name="Footer Placeholder 3"/>
           <p:cNvSpPr>
             <a:spLocks noGrp="1"/>
@@ -3835,7 +4007,7 @@
           <a:p>
             <a:fld id="{E74353ED-ACB2-44BF-A903-985B0AF962B7}" type="datetime1">
               <a:rPr lang="en-US" smtClean="0"/>
-              <a:t>4/2/2022</a:t>
+              <a:t>4/3/2022</a:t>
             </a:fld>
             <a:endParaRPr lang="en-US" dirty="0"/>
           </a:p>
@@ -3859,7 +4031,7 @@
             <a:fld id="{B4008EB6-D09E-4580-8CD6-DDB14511944F}" type="slidenum">
               <a:rPr lang="en-US" smtClean="0"/>
               <a:pPr/>
-              <a:t>2</a:t>
+              <a:t>6</a:t>
             </a:fld>
             <a:endParaRPr lang="en-US" dirty="0"/>
           </a:p>
@@ -6411,6 +6583,62 @@
 </file>
 
 <file path=ppt/slideLayouts/slideLayout16.xml><?xml version="1.0" encoding="utf-8"?>
+<p:sldLayout xmlns:a="http://schemas.openxmlformats.org/drawingml/2006/main" xmlns:r="http://schemas.openxmlformats.org/officeDocument/2006/relationships" xmlns:p="http://schemas.openxmlformats.org/presentationml/2006/main" userDrawn="1">
+  <p:cSld name="Title Only">
+    <p:spTree>
+      <p:nvGrpSpPr>
+        <p:cNvPr id="1" name=""/>
+        <p:cNvGrpSpPr/>
+        <p:nvPr/>
+      </p:nvGrpSpPr>
+      <p:grpSpPr>
+        <a:xfrm>
+          <a:off x="0" y="0"/>
+          <a:ext cx="0" cy="0"/>
+          <a:chOff x="0" y="0"/>
+          <a:chExt cx="0" cy="0"/>
+        </a:xfrm>
+      </p:grpSpPr>
+      <p:sp>
+        <p:nvSpPr>
+          <p:cNvPr id="2" name="Title 1"/>
+          <p:cNvSpPr>
+            <a:spLocks noGrp="1"/>
+          </p:cNvSpPr>
+          <p:nvPr>
+            <p:ph type="title"/>
+          </p:nvPr>
+        </p:nvSpPr>
+        <p:spPr/>
+        <p:txBody>
+          <a:bodyPr/>
+          <a:lstStyle/>
+          <a:p>
+            <a:r>
+              <a:rPr lang="en-US"/>
+              <a:t>Click to edit Master title style</a:t>
+            </a:r>
+            <a:endParaRPr lang="en-US" dirty="0"/>
+          </a:p>
+        </p:txBody>
+      </p:sp>
+    </p:spTree>
+    <p:extLst>
+      <p:ext uri="{BB962C8B-B14F-4D97-AF65-F5344CB8AC3E}">
+        <p14:creationId xmlns:p14="http://schemas.microsoft.com/office/powerpoint/2010/main" val="1583820553"/>
+      </p:ext>
+    </p:extLst>
+  </p:cSld>
+  <p:clrMapOvr>
+    <a:masterClrMapping/>
+  </p:clrMapOvr>
+  <p:transition>
+    <p:fade/>
+  </p:transition>
+</p:sldLayout>
+</file>
+
+<file path=ppt/slideLayouts/slideLayout17.xml><?xml version="1.0" encoding="utf-8"?>
 <p:sldLayout xmlns:a="http://schemas.openxmlformats.org/drawingml/2006/main" xmlns:r="http://schemas.openxmlformats.org/officeDocument/2006/relationships" xmlns:p="http://schemas.openxmlformats.org/presentationml/2006/main" type="title" preserve="1">
   <p:cSld name="Title Slide">
     <p:spTree>
@@ -6557,7 +6785,7 @@
           <a:p>
             <a:fld id="{0A627400-D089-7447-864B-77479EBD4214}" type="datetimeFigureOut">
               <a:rPr lang="en-US" smtClean="0"/>
-              <a:t>4/2/2022</a:t>
+              <a:t>4/3/2022</a:t>
             </a:fld>
             <a:endParaRPr lang="en-US"/>
           </a:p>
@@ -6630,7 +6858,7 @@
 </p:sldLayout>
 </file>
 
-<file path=ppt/slideLayouts/slideLayout17.xml><?xml version="1.0" encoding="utf-8"?>
+<file path=ppt/slideLayouts/slideLayout18.xml><?xml version="1.0" encoding="utf-8"?>
 <p:sldLayout xmlns:a="http://schemas.openxmlformats.org/drawingml/2006/main" xmlns:r="http://schemas.openxmlformats.org/officeDocument/2006/relationships" xmlns:p="http://schemas.openxmlformats.org/presentationml/2006/main" type="obj" preserve="1">
   <p:cSld name="Title and Content">
     <p:spTree>
@@ -6755,7 +6983,7 @@
           <a:p>
             <a:fld id="{0A627400-D089-7447-864B-77479EBD4214}" type="datetimeFigureOut">
               <a:rPr lang="en-US" smtClean="0"/>
-              <a:t>4/2/2022</a:t>
+              <a:t>4/3/2022</a:t>
             </a:fld>
             <a:endParaRPr lang="en-US"/>
           </a:p>
@@ -6828,7 +7056,7 @@
 </p:sldLayout>
 </file>
 
-<file path=ppt/slideLayouts/slideLayout18.xml><?xml version="1.0" encoding="utf-8"?>
+<file path=ppt/slideLayouts/slideLayout19.xml><?xml version="1.0" encoding="utf-8"?>
 <p:sldLayout xmlns:a="http://schemas.openxmlformats.org/drawingml/2006/main" xmlns:r="http://schemas.openxmlformats.org/officeDocument/2006/relationships" xmlns:p="http://schemas.openxmlformats.org/presentationml/2006/main" type="secHead" preserve="1">
   <p:cSld name="Section Header">
     <p:spTree>
@@ -7030,7 +7258,7 @@
           <a:p>
             <a:fld id="{0A627400-D089-7447-864B-77479EBD4214}" type="datetimeFigureOut">
               <a:rPr lang="en-US" smtClean="0"/>
-              <a:t>4/2/2022</a:t>
+              <a:t>4/3/2022</a:t>
             </a:fld>
             <a:endParaRPr lang="en-US"/>
           </a:p>
@@ -7094,271 +7322,6 @@
     <p:extLst>
       <p:ext uri="{BB962C8B-B14F-4D97-AF65-F5344CB8AC3E}">
         <p14:creationId xmlns:p14="http://schemas.microsoft.com/office/powerpoint/2010/main" val="4114149147"/>
-      </p:ext>
-    </p:extLst>
-  </p:cSld>
-  <p:clrMapOvr>
-    <a:masterClrMapping/>
-  </p:clrMapOvr>
-</p:sldLayout>
-</file>
-
-<file path=ppt/slideLayouts/slideLayout19.xml><?xml version="1.0" encoding="utf-8"?>
-<p:sldLayout xmlns:a="http://schemas.openxmlformats.org/drawingml/2006/main" xmlns:r="http://schemas.openxmlformats.org/officeDocument/2006/relationships" xmlns:p="http://schemas.openxmlformats.org/presentationml/2006/main" type="twoObj" preserve="1">
-  <p:cSld name="Two Content">
-    <p:spTree>
-      <p:nvGrpSpPr>
-        <p:cNvPr id="1" name=""/>
-        <p:cNvGrpSpPr/>
-        <p:nvPr/>
-      </p:nvGrpSpPr>
-      <p:grpSpPr>
-        <a:xfrm>
-          <a:off x="0" y="0"/>
-          <a:ext cx="0" cy="0"/>
-          <a:chOff x="0" y="0"/>
-          <a:chExt cx="0" cy="0"/>
-        </a:xfrm>
-      </p:grpSpPr>
-      <p:sp>
-        <p:nvSpPr>
-          <p:cNvPr id="2" name="Title 1">
-            <a:extLst>
-              <a:ext uri="{FF2B5EF4-FFF2-40B4-BE49-F238E27FC236}">
-                <a16:creationId xmlns:a16="http://schemas.microsoft.com/office/drawing/2014/main" id="{15860501-FEE8-4A43-A887-C778D57CCB0A}"/>
-              </a:ext>
-            </a:extLst>
-          </p:cNvPr>
-          <p:cNvSpPr>
-            <a:spLocks noGrp="1"/>
-          </p:cNvSpPr>
-          <p:nvPr>
-            <p:ph type="title"/>
-          </p:nvPr>
-        </p:nvSpPr>
-        <p:spPr/>
-        <p:txBody>
-          <a:bodyPr/>
-          <a:lstStyle/>
-          <a:p>
-            <a:r>
-              <a:rPr lang="en-US"/>
-              <a:t>Click to edit Master title style</a:t>
-            </a:r>
-          </a:p>
-        </p:txBody>
-      </p:sp>
-      <p:sp>
-        <p:nvSpPr>
-          <p:cNvPr id="3" name="Content Placeholder 2">
-            <a:extLst>
-              <a:ext uri="{FF2B5EF4-FFF2-40B4-BE49-F238E27FC236}">
-                <a16:creationId xmlns:a16="http://schemas.microsoft.com/office/drawing/2014/main" id="{4DDE4D5F-58EF-5047-BAEF-694F619DB35D}"/>
-              </a:ext>
-            </a:extLst>
-          </p:cNvPr>
-          <p:cNvSpPr>
-            <a:spLocks noGrp="1"/>
-          </p:cNvSpPr>
-          <p:nvPr>
-            <p:ph sz="half" idx="1"/>
-          </p:nvPr>
-        </p:nvSpPr>
-        <p:spPr>
-          <a:xfrm>
-            <a:off x="838200" y="1825625"/>
-            <a:ext cx="5181600" cy="4351339"/>
-          </a:xfrm>
-        </p:spPr>
-        <p:txBody>
-          <a:bodyPr/>
-          <a:lstStyle/>
-          <a:p>
-            <a:pPr lvl="0"/>
-            <a:r>
-              <a:rPr lang="en-US"/>
-              <a:t>Click to edit Master text styles</a:t>
-            </a:r>
-          </a:p>
-          <a:p>
-            <a:pPr lvl="1"/>
-            <a:r>
-              <a:rPr lang="en-US"/>
-              <a:t>Second level</a:t>
-            </a:r>
-          </a:p>
-          <a:p>
-            <a:pPr lvl="2"/>
-            <a:r>
-              <a:rPr lang="en-US"/>
-              <a:t>Third level</a:t>
-            </a:r>
-          </a:p>
-          <a:p>
-            <a:pPr lvl="3"/>
-            <a:r>
-              <a:rPr lang="en-US"/>
-              <a:t>Fourth level</a:t>
-            </a:r>
-          </a:p>
-          <a:p>
-            <a:pPr lvl="4"/>
-            <a:r>
-              <a:rPr lang="en-US"/>
-              <a:t>Fifth level</a:t>
-            </a:r>
-          </a:p>
-        </p:txBody>
-      </p:sp>
-      <p:sp>
-        <p:nvSpPr>
-          <p:cNvPr id="4" name="Content Placeholder 3">
-            <a:extLst>
-              <a:ext uri="{FF2B5EF4-FFF2-40B4-BE49-F238E27FC236}">
-                <a16:creationId xmlns:a16="http://schemas.microsoft.com/office/drawing/2014/main" id="{0BB60468-267F-1F45-AAA2-30AF13763E59}"/>
-              </a:ext>
-            </a:extLst>
-          </p:cNvPr>
-          <p:cNvSpPr>
-            <a:spLocks noGrp="1"/>
-          </p:cNvSpPr>
-          <p:nvPr>
-            <p:ph sz="half" idx="2"/>
-          </p:nvPr>
-        </p:nvSpPr>
-        <p:spPr>
-          <a:xfrm>
-            <a:off x="6172200" y="1825625"/>
-            <a:ext cx="5181600" cy="4351339"/>
-          </a:xfrm>
-        </p:spPr>
-        <p:txBody>
-          <a:bodyPr/>
-          <a:lstStyle/>
-          <a:p>
-            <a:pPr lvl="0"/>
-            <a:r>
-              <a:rPr lang="en-US"/>
-              <a:t>Click to edit Master text styles</a:t>
-            </a:r>
-          </a:p>
-          <a:p>
-            <a:pPr lvl="1"/>
-            <a:r>
-              <a:rPr lang="en-US"/>
-              <a:t>Second level</a:t>
-            </a:r>
-          </a:p>
-          <a:p>
-            <a:pPr lvl="2"/>
-            <a:r>
-              <a:rPr lang="en-US"/>
-              <a:t>Third level</a:t>
-            </a:r>
-          </a:p>
-          <a:p>
-            <a:pPr lvl="3"/>
-            <a:r>
-              <a:rPr lang="en-US"/>
-              <a:t>Fourth level</a:t>
-            </a:r>
-          </a:p>
-          <a:p>
-            <a:pPr lvl="4"/>
-            <a:r>
-              <a:rPr lang="en-US"/>
-              <a:t>Fifth level</a:t>
-            </a:r>
-          </a:p>
-        </p:txBody>
-      </p:sp>
-      <p:sp>
-        <p:nvSpPr>
-          <p:cNvPr id="5" name="Date Placeholder 4">
-            <a:extLst>
-              <a:ext uri="{FF2B5EF4-FFF2-40B4-BE49-F238E27FC236}">
-                <a16:creationId xmlns:a16="http://schemas.microsoft.com/office/drawing/2014/main" id="{31138E6A-F55F-9B41-BB5F-C47771404DD5}"/>
-              </a:ext>
-            </a:extLst>
-          </p:cNvPr>
-          <p:cNvSpPr>
-            <a:spLocks noGrp="1"/>
-          </p:cNvSpPr>
-          <p:nvPr>
-            <p:ph type="dt" sz="half" idx="10"/>
-          </p:nvPr>
-        </p:nvSpPr>
-        <p:spPr/>
-        <p:txBody>
-          <a:bodyPr/>
-          <a:lstStyle/>
-          <a:p>
-            <a:fld id="{0A627400-D089-7447-864B-77479EBD4214}" type="datetimeFigureOut">
-              <a:rPr lang="en-US" smtClean="0"/>
-              <a:t>4/2/2022</a:t>
-            </a:fld>
-            <a:endParaRPr lang="en-US"/>
-          </a:p>
-        </p:txBody>
-      </p:sp>
-      <p:sp>
-        <p:nvSpPr>
-          <p:cNvPr id="6" name="Footer Placeholder 5">
-            <a:extLst>
-              <a:ext uri="{FF2B5EF4-FFF2-40B4-BE49-F238E27FC236}">
-                <a16:creationId xmlns:a16="http://schemas.microsoft.com/office/drawing/2014/main" id="{7392FE18-73E8-D64A-AB50-97C717CC840D}"/>
-              </a:ext>
-            </a:extLst>
-          </p:cNvPr>
-          <p:cNvSpPr>
-            <a:spLocks noGrp="1"/>
-          </p:cNvSpPr>
-          <p:nvPr>
-            <p:ph type="ftr" sz="quarter" idx="11"/>
-          </p:nvPr>
-        </p:nvSpPr>
-        <p:spPr/>
-        <p:txBody>
-          <a:bodyPr/>
-          <a:lstStyle/>
-          <a:p>
-            <a:endParaRPr lang="en-US"/>
-          </a:p>
-        </p:txBody>
-      </p:sp>
-      <p:sp>
-        <p:nvSpPr>
-          <p:cNvPr id="7" name="Slide Number Placeholder 6">
-            <a:extLst>
-              <a:ext uri="{FF2B5EF4-FFF2-40B4-BE49-F238E27FC236}">
-                <a16:creationId xmlns:a16="http://schemas.microsoft.com/office/drawing/2014/main" id="{331D3D61-E3AB-0747-BB3D-CFD3451A5BAB}"/>
-              </a:ext>
-            </a:extLst>
-          </p:cNvPr>
-          <p:cNvSpPr>
-            <a:spLocks noGrp="1"/>
-          </p:cNvSpPr>
-          <p:nvPr>
-            <p:ph type="sldNum" sz="quarter" idx="12"/>
-          </p:nvPr>
-        </p:nvSpPr>
-        <p:spPr/>
-        <p:txBody>
-          <a:bodyPr/>
-          <a:lstStyle/>
-          <a:p>
-            <a:fld id="{CDACE531-2FE7-1449-9EEA-A972806695F4}" type="slidenum">
-              <a:rPr lang="en-US" smtClean="0"/>
-              <a:t>‹#›</a:t>
-            </a:fld>
-            <a:endParaRPr lang="en-US"/>
-          </a:p>
-        </p:txBody>
-      </p:sp>
-    </p:spTree>
-    <p:extLst>
-      <p:ext uri="{BB962C8B-B14F-4D97-AF65-F5344CB8AC3E}">
-        <p14:creationId xmlns:p14="http://schemas.microsoft.com/office/powerpoint/2010/main" val="1570648668"/>
       </p:ext>
     </p:extLst>
   </p:cSld>
@@ -7569,6 +7532,271 @@
 </file>
 
 <file path=ppt/slideLayouts/slideLayout20.xml><?xml version="1.0" encoding="utf-8"?>
+<p:sldLayout xmlns:a="http://schemas.openxmlformats.org/drawingml/2006/main" xmlns:r="http://schemas.openxmlformats.org/officeDocument/2006/relationships" xmlns:p="http://schemas.openxmlformats.org/presentationml/2006/main" type="twoObj" preserve="1">
+  <p:cSld name="Two Content">
+    <p:spTree>
+      <p:nvGrpSpPr>
+        <p:cNvPr id="1" name=""/>
+        <p:cNvGrpSpPr/>
+        <p:nvPr/>
+      </p:nvGrpSpPr>
+      <p:grpSpPr>
+        <a:xfrm>
+          <a:off x="0" y="0"/>
+          <a:ext cx="0" cy="0"/>
+          <a:chOff x="0" y="0"/>
+          <a:chExt cx="0" cy="0"/>
+        </a:xfrm>
+      </p:grpSpPr>
+      <p:sp>
+        <p:nvSpPr>
+          <p:cNvPr id="2" name="Title 1">
+            <a:extLst>
+              <a:ext uri="{FF2B5EF4-FFF2-40B4-BE49-F238E27FC236}">
+                <a16:creationId xmlns:a16="http://schemas.microsoft.com/office/drawing/2014/main" id="{15860501-FEE8-4A43-A887-C778D57CCB0A}"/>
+              </a:ext>
+            </a:extLst>
+          </p:cNvPr>
+          <p:cNvSpPr>
+            <a:spLocks noGrp="1"/>
+          </p:cNvSpPr>
+          <p:nvPr>
+            <p:ph type="title"/>
+          </p:nvPr>
+        </p:nvSpPr>
+        <p:spPr/>
+        <p:txBody>
+          <a:bodyPr/>
+          <a:lstStyle/>
+          <a:p>
+            <a:r>
+              <a:rPr lang="en-US"/>
+              <a:t>Click to edit Master title style</a:t>
+            </a:r>
+          </a:p>
+        </p:txBody>
+      </p:sp>
+      <p:sp>
+        <p:nvSpPr>
+          <p:cNvPr id="3" name="Content Placeholder 2">
+            <a:extLst>
+              <a:ext uri="{FF2B5EF4-FFF2-40B4-BE49-F238E27FC236}">
+                <a16:creationId xmlns:a16="http://schemas.microsoft.com/office/drawing/2014/main" id="{4DDE4D5F-58EF-5047-BAEF-694F619DB35D}"/>
+              </a:ext>
+            </a:extLst>
+          </p:cNvPr>
+          <p:cNvSpPr>
+            <a:spLocks noGrp="1"/>
+          </p:cNvSpPr>
+          <p:nvPr>
+            <p:ph sz="half" idx="1"/>
+          </p:nvPr>
+        </p:nvSpPr>
+        <p:spPr>
+          <a:xfrm>
+            <a:off x="838200" y="1825625"/>
+            <a:ext cx="5181600" cy="4351339"/>
+          </a:xfrm>
+        </p:spPr>
+        <p:txBody>
+          <a:bodyPr/>
+          <a:lstStyle/>
+          <a:p>
+            <a:pPr lvl="0"/>
+            <a:r>
+              <a:rPr lang="en-US"/>
+              <a:t>Click to edit Master text styles</a:t>
+            </a:r>
+          </a:p>
+          <a:p>
+            <a:pPr lvl="1"/>
+            <a:r>
+              <a:rPr lang="en-US"/>
+              <a:t>Second level</a:t>
+            </a:r>
+          </a:p>
+          <a:p>
+            <a:pPr lvl="2"/>
+            <a:r>
+              <a:rPr lang="en-US"/>
+              <a:t>Third level</a:t>
+            </a:r>
+          </a:p>
+          <a:p>
+            <a:pPr lvl="3"/>
+            <a:r>
+              <a:rPr lang="en-US"/>
+              <a:t>Fourth level</a:t>
+            </a:r>
+          </a:p>
+          <a:p>
+            <a:pPr lvl="4"/>
+            <a:r>
+              <a:rPr lang="en-US"/>
+              <a:t>Fifth level</a:t>
+            </a:r>
+          </a:p>
+        </p:txBody>
+      </p:sp>
+      <p:sp>
+        <p:nvSpPr>
+          <p:cNvPr id="4" name="Content Placeholder 3">
+            <a:extLst>
+              <a:ext uri="{FF2B5EF4-FFF2-40B4-BE49-F238E27FC236}">
+                <a16:creationId xmlns:a16="http://schemas.microsoft.com/office/drawing/2014/main" id="{0BB60468-267F-1F45-AAA2-30AF13763E59}"/>
+              </a:ext>
+            </a:extLst>
+          </p:cNvPr>
+          <p:cNvSpPr>
+            <a:spLocks noGrp="1"/>
+          </p:cNvSpPr>
+          <p:nvPr>
+            <p:ph sz="half" idx="2"/>
+          </p:nvPr>
+        </p:nvSpPr>
+        <p:spPr>
+          <a:xfrm>
+            <a:off x="6172200" y="1825625"/>
+            <a:ext cx="5181600" cy="4351339"/>
+          </a:xfrm>
+        </p:spPr>
+        <p:txBody>
+          <a:bodyPr/>
+          <a:lstStyle/>
+          <a:p>
+            <a:pPr lvl="0"/>
+            <a:r>
+              <a:rPr lang="en-US"/>
+              <a:t>Click to edit Master text styles</a:t>
+            </a:r>
+          </a:p>
+          <a:p>
+            <a:pPr lvl="1"/>
+            <a:r>
+              <a:rPr lang="en-US"/>
+              <a:t>Second level</a:t>
+            </a:r>
+          </a:p>
+          <a:p>
+            <a:pPr lvl="2"/>
+            <a:r>
+              <a:rPr lang="en-US"/>
+              <a:t>Third level</a:t>
+            </a:r>
+          </a:p>
+          <a:p>
+            <a:pPr lvl="3"/>
+            <a:r>
+              <a:rPr lang="en-US"/>
+              <a:t>Fourth level</a:t>
+            </a:r>
+          </a:p>
+          <a:p>
+            <a:pPr lvl="4"/>
+            <a:r>
+              <a:rPr lang="en-US"/>
+              <a:t>Fifth level</a:t>
+            </a:r>
+          </a:p>
+        </p:txBody>
+      </p:sp>
+      <p:sp>
+        <p:nvSpPr>
+          <p:cNvPr id="5" name="Date Placeholder 4">
+            <a:extLst>
+              <a:ext uri="{FF2B5EF4-FFF2-40B4-BE49-F238E27FC236}">
+                <a16:creationId xmlns:a16="http://schemas.microsoft.com/office/drawing/2014/main" id="{31138E6A-F55F-9B41-BB5F-C47771404DD5}"/>
+              </a:ext>
+            </a:extLst>
+          </p:cNvPr>
+          <p:cNvSpPr>
+            <a:spLocks noGrp="1"/>
+          </p:cNvSpPr>
+          <p:nvPr>
+            <p:ph type="dt" sz="half" idx="10"/>
+          </p:nvPr>
+        </p:nvSpPr>
+        <p:spPr/>
+        <p:txBody>
+          <a:bodyPr/>
+          <a:lstStyle/>
+          <a:p>
+            <a:fld id="{0A627400-D089-7447-864B-77479EBD4214}" type="datetimeFigureOut">
+              <a:rPr lang="en-US" smtClean="0"/>
+              <a:t>4/3/2022</a:t>
+            </a:fld>
+            <a:endParaRPr lang="en-US"/>
+          </a:p>
+        </p:txBody>
+      </p:sp>
+      <p:sp>
+        <p:nvSpPr>
+          <p:cNvPr id="6" name="Footer Placeholder 5">
+            <a:extLst>
+              <a:ext uri="{FF2B5EF4-FFF2-40B4-BE49-F238E27FC236}">
+                <a16:creationId xmlns:a16="http://schemas.microsoft.com/office/drawing/2014/main" id="{7392FE18-73E8-D64A-AB50-97C717CC840D}"/>
+              </a:ext>
+            </a:extLst>
+          </p:cNvPr>
+          <p:cNvSpPr>
+            <a:spLocks noGrp="1"/>
+          </p:cNvSpPr>
+          <p:nvPr>
+            <p:ph type="ftr" sz="quarter" idx="11"/>
+          </p:nvPr>
+        </p:nvSpPr>
+        <p:spPr/>
+        <p:txBody>
+          <a:bodyPr/>
+          <a:lstStyle/>
+          <a:p>
+            <a:endParaRPr lang="en-US"/>
+          </a:p>
+        </p:txBody>
+      </p:sp>
+      <p:sp>
+        <p:nvSpPr>
+          <p:cNvPr id="7" name="Slide Number Placeholder 6">
+            <a:extLst>
+              <a:ext uri="{FF2B5EF4-FFF2-40B4-BE49-F238E27FC236}">
+                <a16:creationId xmlns:a16="http://schemas.microsoft.com/office/drawing/2014/main" id="{331D3D61-E3AB-0747-BB3D-CFD3451A5BAB}"/>
+              </a:ext>
+            </a:extLst>
+          </p:cNvPr>
+          <p:cNvSpPr>
+            <a:spLocks noGrp="1"/>
+          </p:cNvSpPr>
+          <p:nvPr>
+            <p:ph type="sldNum" sz="quarter" idx="12"/>
+          </p:nvPr>
+        </p:nvSpPr>
+        <p:spPr/>
+        <p:txBody>
+          <a:bodyPr/>
+          <a:lstStyle/>
+          <a:p>
+            <a:fld id="{CDACE531-2FE7-1449-9EEA-A972806695F4}" type="slidenum">
+              <a:rPr lang="en-US" smtClean="0"/>
+              <a:t>‹#›</a:t>
+            </a:fld>
+            <a:endParaRPr lang="en-US"/>
+          </a:p>
+        </p:txBody>
+      </p:sp>
+    </p:spTree>
+    <p:extLst>
+      <p:ext uri="{BB962C8B-B14F-4D97-AF65-F5344CB8AC3E}">
+        <p14:creationId xmlns:p14="http://schemas.microsoft.com/office/powerpoint/2010/main" val="1570648668"/>
+      </p:ext>
+    </p:extLst>
+  </p:cSld>
+  <p:clrMapOvr>
+    <a:masterClrMapping/>
+  </p:clrMapOvr>
+</p:sldLayout>
+</file>
+
+<file path=ppt/slideLayouts/slideLayout21.xml><?xml version="1.0" encoding="utf-8"?>
 <p:sldLayout xmlns:a="http://schemas.openxmlformats.org/drawingml/2006/main" xmlns:r="http://schemas.openxmlformats.org/officeDocument/2006/relationships" xmlns:p="http://schemas.openxmlformats.org/presentationml/2006/main" type="twoTxTwoObj" preserve="1">
   <p:cSld name="Comparison">
     <p:spTree>
@@ -7907,7 +8135,7 @@
           <a:p>
             <a:fld id="{0A627400-D089-7447-864B-77479EBD4214}" type="datetimeFigureOut">
               <a:rPr lang="en-US" smtClean="0"/>
-              <a:t>4/2/2022</a:t>
+              <a:t>4/3/2022</a:t>
             </a:fld>
             <a:endParaRPr lang="en-US"/>
           </a:p>
@@ -7980,7 +8208,7 @@
 </p:sldLayout>
 </file>
 
-<file path=ppt/slideLayouts/slideLayout21.xml><?xml version="1.0" encoding="utf-8"?>
+<file path=ppt/slideLayouts/slideLayout22.xml><?xml version="1.0" encoding="utf-8"?>
 <p:sldLayout xmlns:a="http://schemas.openxmlformats.org/drawingml/2006/main" xmlns:r="http://schemas.openxmlformats.org/officeDocument/2006/relationships" xmlns:p="http://schemas.openxmlformats.org/presentationml/2006/main" type="obj" preserve="1">
   <p:cSld name="Code Sample">
     <p:spTree>
@@ -8113,7 +8341,7 @@
           <a:p>
             <a:fld id="{0A627400-D089-7447-864B-77479EBD4214}" type="datetimeFigureOut">
               <a:rPr lang="en-US" smtClean="0"/>
-              <a:t>4/2/2022</a:t>
+              <a:t>4/3/2022</a:t>
             </a:fld>
             <a:endParaRPr lang="en-US"/>
           </a:p>
@@ -8186,7 +8414,7 @@
 </p:sldLayout>
 </file>
 
-<file path=ppt/slideLayouts/slideLayout22.xml><?xml version="1.0" encoding="utf-8"?>
+<file path=ppt/slideLayouts/slideLayout23.xml><?xml version="1.0" encoding="utf-8"?>
 <p:sldLayout xmlns:a="http://schemas.openxmlformats.org/drawingml/2006/main" xmlns:r="http://schemas.openxmlformats.org/officeDocument/2006/relationships" xmlns:p="http://schemas.openxmlformats.org/presentationml/2006/main" preserve="1" userDrawn="1">
   <p:cSld name="Progress">
     <p:spTree>
@@ -8255,7 +8483,7 @@
             <a:fld id="{0A627400-D089-7447-864B-77479EBD4214}" type="datetimeFigureOut">
               <a:rPr lang="en-US" smtClean="0"/>
               <a:pPr/>
-              <a:t>4/2/2022</a:t>
+              <a:t>4/3/2022</a:t>
             </a:fld>
             <a:endParaRPr lang="en-US"/>
           </a:p>
@@ -8351,7 +8579,7 @@
 </p:sldLayout>
 </file>
 
-<file path=ppt/slideLayouts/slideLayout23.xml><?xml version="1.0" encoding="utf-8"?>
+<file path=ppt/slideLayouts/slideLayout24.xml><?xml version="1.0" encoding="utf-8"?>
 <p:sldLayout xmlns:a="http://schemas.openxmlformats.org/drawingml/2006/main" xmlns:r="http://schemas.openxmlformats.org/officeDocument/2006/relationships" xmlns:p="http://schemas.openxmlformats.org/presentationml/2006/main" type="titleOnly" preserve="1">
   <p:cSld name="Title Only">
     <p:spTree>
@@ -8419,7 +8647,7 @@
           <a:p>
             <a:fld id="{0A627400-D089-7447-864B-77479EBD4214}" type="datetimeFigureOut">
               <a:rPr lang="en-US" smtClean="0"/>
-              <a:t>4/2/2022</a:t>
+              <a:t>4/3/2022</a:t>
             </a:fld>
             <a:endParaRPr lang="en-US"/>
           </a:p>
@@ -8492,7 +8720,7 @@
 </p:sldLayout>
 </file>
 
-<file path=ppt/slideLayouts/slideLayout24.xml><?xml version="1.0" encoding="utf-8"?>
+<file path=ppt/slideLayouts/slideLayout25.xml><?xml version="1.0" encoding="utf-8"?>
 <p:sldLayout xmlns:a="http://schemas.openxmlformats.org/drawingml/2006/main" xmlns:r="http://schemas.openxmlformats.org/officeDocument/2006/relationships" xmlns:p="http://schemas.openxmlformats.org/presentationml/2006/main" type="blank" preserve="1">
   <p:cSld name="Blank">
     <p:spTree>
@@ -8532,7 +8760,7 @@
           <a:p>
             <a:fld id="{0A627400-D089-7447-864B-77479EBD4214}" type="datetimeFigureOut">
               <a:rPr lang="en-US" smtClean="0"/>
-              <a:t>4/2/2022</a:t>
+              <a:t>4/3/2022</a:t>
             </a:fld>
             <a:endParaRPr lang="en-US"/>
           </a:p>
@@ -8605,7 +8833,7 @@
 </p:sldLayout>
 </file>
 
-<file path=ppt/slideLayouts/slideLayout25.xml><?xml version="1.0" encoding="utf-8"?>
+<file path=ppt/slideLayouts/slideLayout26.xml><?xml version="1.0" encoding="utf-8"?>
 <p:sldLayout xmlns:a="http://schemas.openxmlformats.org/drawingml/2006/main" xmlns:r="http://schemas.openxmlformats.org/officeDocument/2006/relationships" xmlns:p="http://schemas.openxmlformats.org/presentationml/2006/main" type="objTx" preserve="1">
   <p:cSld name="Content with Caption">
     <p:spTree>
@@ -8843,7 +9071,7 @@
           <a:p>
             <a:fld id="{0A627400-D089-7447-864B-77479EBD4214}" type="datetimeFigureOut">
               <a:rPr lang="en-US" smtClean="0"/>
-              <a:t>4/2/2022</a:t>
+              <a:t>4/3/2022</a:t>
             </a:fld>
             <a:endParaRPr lang="en-US"/>
           </a:p>
@@ -8916,7 +9144,7 @@
 </p:sldLayout>
 </file>
 
-<file path=ppt/slideLayouts/slideLayout26.xml><?xml version="1.0" encoding="utf-8"?>
+<file path=ppt/slideLayouts/slideLayout27.xml><?xml version="1.0" encoding="utf-8"?>
 <p:sldLayout xmlns:a="http://schemas.openxmlformats.org/drawingml/2006/main" xmlns:r="http://schemas.openxmlformats.org/officeDocument/2006/relationships" xmlns:p="http://schemas.openxmlformats.org/presentationml/2006/main" type="picTx" preserve="1">
   <p:cSld name="Picture with Caption">
     <p:spTree>
@@ -9131,7 +9359,7 @@
           <a:p>
             <a:fld id="{0A627400-D089-7447-864B-77479EBD4214}" type="datetimeFigureOut">
               <a:rPr lang="en-US" smtClean="0"/>
-              <a:t>4/2/2022</a:t>
+              <a:t>4/3/2022</a:t>
             </a:fld>
             <a:endParaRPr lang="en-US"/>
           </a:p>
@@ -9204,7 +9432,7 @@
 </p:sldLayout>
 </file>
 
-<file path=ppt/slideLayouts/slideLayout27.xml><?xml version="1.0" encoding="utf-8"?>
+<file path=ppt/slideLayouts/slideLayout28.xml><?xml version="1.0" encoding="utf-8"?>
 <p:sldLayout xmlns:a="http://schemas.openxmlformats.org/drawingml/2006/main" xmlns:r="http://schemas.openxmlformats.org/officeDocument/2006/relationships" xmlns:p="http://schemas.openxmlformats.org/presentationml/2006/main" userDrawn="1">
   <p:cSld name="White Background">
     <p:spTree>
@@ -9337,7 +9565,7 @@
 </p:sldLayout>
 </file>
 
-<file path=ppt/slideLayouts/slideLayout28.xml><?xml version="1.0" encoding="utf-8"?>
+<file path=ppt/slideLayouts/slideLayout29.xml><?xml version="1.0" encoding="utf-8"?>
 <p:sldLayout xmlns:a="http://schemas.openxmlformats.org/drawingml/2006/main" xmlns:r="http://schemas.openxmlformats.org/officeDocument/2006/relationships" xmlns:p="http://schemas.openxmlformats.org/presentationml/2006/main" preserve="1" userDrawn="1">
   <p:cSld name="Blank Layout">
     <p:spTree>
@@ -10678,7 +10906,7 @@
           <p:nvPr userDrawn="1"/>
         </p:nvPicPr>
         <p:blipFill>
-          <a:blip r:embed="rId17"/>
+          <a:blip r:embed="rId18"/>
           <a:stretch>
             <a:fillRect/>
           </a:stretch>
@@ -10717,6 +10945,7 @@
     <p:sldLayoutId id="2147483676" r:id="rId13"/>
     <p:sldLayoutId id="2147483678" r:id="rId14"/>
     <p:sldLayoutId id="2147483679" r:id="rId15"/>
+    <p:sldLayoutId id="2147483809" r:id="rId16"/>
   </p:sldLayoutIdLst>
   <p:transition>
     <p:fade/>
@@ -11383,7 +11612,7 @@
             <a:fld id="{0A627400-D089-7447-864B-77479EBD4214}" type="datetimeFigureOut">
               <a:rPr lang="en-US" smtClean="0"/>
               <a:pPr/>
-              <a:t>4/2/2022</a:t>
+              <a:t>4/3/2022</a:t>
             </a:fld>
             <a:endParaRPr lang="en-US"/>
           </a:p>
@@ -12119,6 +12348,4122 @@
 </file>
 
 <file path=ppt/slides/slide2.xml><?xml version="1.0" encoding="utf-8"?>
+<p:sld xmlns:a="http://schemas.openxmlformats.org/drawingml/2006/main" xmlns:r="http://schemas.openxmlformats.org/officeDocument/2006/relationships" xmlns:p="http://schemas.openxmlformats.org/presentationml/2006/main">
+  <p:cSld>
+    <p:spTree>
+      <p:nvGrpSpPr>
+        <p:cNvPr id="1" name=""/>
+        <p:cNvGrpSpPr/>
+        <p:nvPr/>
+      </p:nvGrpSpPr>
+      <p:grpSpPr>
+        <a:xfrm>
+          <a:off x="0" y="0"/>
+          <a:ext cx="0" cy="0"/>
+          <a:chOff x="0" y="0"/>
+          <a:chExt cx="0" cy="0"/>
+        </a:xfrm>
+      </p:grpSpPr>
+      <p:sp>
+        <p:nvSpPr>
+          <p:cNvPr id="2" name="Title 1"/>
+          <p:cNvSpPr>
+            <a:spLocks noGrp="1"/>
+          </p:cNvSpPr>
+          <p:nvPr>
+            <p:ph type="title"/>
+          </p:nvPr>
+        </p:nvSpPr>
+        <p:spPr>
+          <a:xfrm>
+            <a:off x="8020396" y="500904"/>
+            <a:ext cx="2166358" cy="899537"/>
+          </a:xfrm>
+        </p:spPr>
+        <p:txBody>
+          <a:bodyPr>
+            <a:noAutofit/>
+          </a:bodyPr>
+          <a:lstStyle/>
+          <a:p>
+            <a:pPr algn="r"/>
+            <a:r>
+              <a:rPr lang="en-US" dirty="0">
+                <a:solidFill>
+                  <a:schemeClr val="tx1"/>
+                </a:solidFill>
+              </a:rPr>
+              <a:t>Layouts</a:t>
+            </a:r>
+          </a:p>
+        </p:txBody>
+      </p:sp>
+      <p:sp>
+        <p:nvSpPr>
+          <p:cNvPr id="20" name="Title 1"/>
+          <p:cNvSpPr txBox="1">
+            <a:spLocks/>
+          </p:cNvSpPr>
+          <p:nvPr/>
+        </p:nvSpPr>
+        <p:spPr>
+          <a:xfrm>
+            <a:off x="386993" y="500904"/>
+            <a:ext cx="4791007" cy="899537"/>
+          </a:xfrm>
+          <a:prstGeom prst="rect">
+            <a:avLst/>
+          </a:prstGeom>
+        </p:spPr>
+        <p:txBody>
+          <a:bodyPr vert="horz" wrap="square" lIns="143428" tIns="89642" rIns="143428" bIns="89642" rtlCol="0" anchor="t">
+            <a:noAutofit/>
+          </a:bodyPr>
+          <a:lstStyle>
+            <a:lvl1pPr algn="l" defTabSz="932742" rtl="0" eaLnBrk="1" latinLnBrk="0" hangingPunct="1">
+              <a:lnSpc>
+                <a:spcPct val="90000"/>
+              </a:lnSpc>
+              <a:spcBef>
+                <a:spcPct val="0"/>
+              </a:spcBef>
+              <a:buNone/>
+              <a:defRPr lang="en-US" sz="4800" b="0" kern="1200" cap="none" spc="-102" baseline="0" dirty="0" smtClean="0">
+                <a:ln w="3175">
+                  <a:noFill/>
+                </a:ln>
+                <a:gradFill>
+                  <a:gsLst>
+                    <a:gs pos="1250">
+                      <a:schemeClr val="tx1"/>
+                    </a:gs>
+                    <a:gs pos="100000">
+                      <a:schemeClr val="tx1"/>
+                    </a:gs>
+                  </a:gsLst>
+                  <a:lin ang="5400000" scaled="0"/>
+                </a:gradFill>
+                <a:effectLst/>
+                <a:latin typeface="+mj-lt"/>
+                <a:ea typeface="+mn-ea"/>
+                <a:cs typeface="Segoe UI" pitchFamily="34" charset="0"/>
+              </a:defRPr>
+            </a:lvl1pPr>
+          </a:lstStyle>
+          <a:p>
+            <a:pPr algn="ctr"/>
+            <a:r>
+              <a:rPr lang="en-US" sz="4705" dirty="0" err="1">
+                <a:solidFill>
+                  <a:schemeClr val="tx1"/>
+                </a:solidFill>
+              </a:rPr>
+              <a:t>Páginas</a:t>
+            </a:r>
+            <a:endParaRPr lang="en-US" sz="4705" dirty="0">
+              <a:solidFill>
+                <a:schemeClr val="tx1"/>
+              </a:solidFill>
+            </a:endParaRPr>
+          </a:p>
+        </p:txBody>
+      </p:sp>
+      <p:grpSp>
+        <p:nvGrpSpPr>
+          <p:cNvPr id="14" name="Group 13">
+            <a:extLst>
+              <a:ext uri="{FF2B5EF4-FFF2-40B4-BE49-F238E27FC236}">
+                <a16:creationId xmlns:a16="http://schemas.microsoft.com/office/drawing/2014/main" id="{1667521E-4C64-4E8E-A902-7CC94DAD9C8D}"/>
+              </a:ext>
+            </a:extLst>
+          </p:cNvPr>
+          <p:cNvGrpSpPr/>
+          <p:nvPr/>
+        </p:nvGrpSpPr>
+        <p:grpSpPr>
+          <a:xfrm>
+            <a:off x="370892" y="1449615"/>
+            <a:ext cx="4947841" cy="2070068"/>
+            <a:chOff x="2328218" y="1060832"/>
+            <a:chExt cx="4947841" cy="2070068"/>
+          </a:xfrm>
+        </p:grpSpPr>
+        <p:pic>
+          <p:nvPicPr>
+            <p:cNvPr id="22" name="Picture 21"/>
+            <p:cNvPicPr>
+              <a:picLocks noChangeAspect="1"/>
+            </p:cNvPicPr>
+            <p:nvPr/>
+          </p:nvPicPr>
+          <p:blipFill rotWithShape="1">
+            <a:blip r:embed="rId3">
+              <a:extLst>
+                <a:ext uri="{28A0092B-C50C-407E-A947-70E740481C1C}">
+                  <a14:useLocalDpi xmlns:a14="http://schemas.microsoft.com/office/drawing/2010/main"/>
+                </a:ext>
+              </a:extLst>
+            </a:blip>
+            <a:srcRect r="18793"/>
+            <a:stretch/>
+          </p:blipFill>
+          <p:spPr>
+            <a:xfrm>
+              <a:off x="2328218" y="1060832"/>
+              <a:ext cx="4947841" cy="1678215"/>
+            </a:xfrm>
+            <a:prstGeom prst="rect">
+              <a:avLst/>
+            </a:prstGeom>
+          </p:spPr>
+        </p:pic>
+        <p:sp>
+          <p:nvSpPr>
+            <p:cNvPr id="26" name="TextBox 25"/>
+            <p:cNvSpPr txBox="1"/>
+            <p:nvPr/>
+          </p:nvSpPr>
+          <p:spPr>
+            <a:xfrm>
+              <a:off x="2344318" y="2859346"/>
+              <a:ext cx="940144" cy="271554"/>
+            </a:xfrm>
+            <a:prstGeom prst="rect">
+              <a:avLst/>
+            </a:prstGeom>
+            <a:noFill/>
+          </p:spPr>
+          <p:txBody>
+            <a:bodyPr wrap="square" rtlCol="0">
+              <a:spAutoFit/>
+            </a:bodyPr>
+            <a:lstStyle/>
+            <a:p>
+              <a:pPr algn="ctr"/>
+              <a:r>
+                <a:rPr lang="en-US" sz="1176" dirty="0">
+                  <a:cs typeface="Helvetica"/>
+                </a:rPr>
+                <a:t>Content</a:t>
+              </a:r>
+            </a:p>
+          </p:txBody>
+        </p:sp>
+        <p:sp>
+          <p:nvSpPr>
+            <p:cNvPr id="27" name="TextBox 26"/>
+            <p:cNvSpPr txBox="1"/>
+            <p:nvPr/>
+          </p:nvSpPr>
+          <p:spPr>
+            <a:xfrm>
+              <a:off x="3549651" y="2858326"/>
+              <a:ext cx="1061646" cy="271554"/>
+            </a:xfrm>
+            <a:prstGeom prst="rect">
+              <a:avLst/>
+            </a:prstGeom>
+            <a:noFill/>
+          </p:spPr>
+          <p:txBody>
+            <a:bodyPr wrap="square" rtlCol="0">
+              <a:spAutoFit/>
+            </a:bodyPr>
+            <a:lstStyle/>
+            <a:p>
+              <a:pPr algn="ctr"/>
+              <a:r>
+                <a:rPr lang="en-US" sz="1176" dirty="0">
+                  <a:cs typeface="Helvetica"/>
+                </a:rPr>
+                <a:t>Flyout</a:t>
+              </a:r>
+            </a:p>
+          </p:txBody>
+        </p:sp>
+        <p:sp>
+          <p:nvSpPr>
+            <p:cNvPr id="28" name="TextBox 27"/>
+            <p:cNvSpPr txBox="1"/>
+            <p:nvPr/>
+          </p:nvSpPr>
+          <p:spPr>
+            <a:xfrm>
+              <a:off x="4907777" y="2858326"/>
+              <a:ext cx="940144" cy="271554"/>
+            </a:xfrm>
+            <a:prstGeom prst="rect">
+              <a:avLst/>
+            </a:prstGeom>
+            <a:noFill/>
+          </p:spPr>
+          <p:txBody>
+            <a:bodyPr wrap="square" rtlCol="0">
+              <a:spAutoFit/>
+            </a:bodyPr>
+            <a:lstStyle/>
+            <a:p>
+              <a:pPr algn="ctr"/>
+              <a:r>
+                <a:rPr lang="en-US" sz="1176" dirty="0">
+                  <a:cs typeface="Helvetica"/>
+                </a:rPr>
+                <a:t>Navigation</a:t>
+              </a:r>
+            </a:p>
+          </p:txBody>
+        </p:sp>
+        <p:sp>
+          <p:nvSpPr>
+            <p:cNvPr id="29" name="TextBox 28"/>
+            <p:cNvSpPr txBox="1"/>
+            <p:nvPr/>
+          </p:nvSpPr>
+          <p:spPr>
+            <a:xfrm>
+              <a:off x="6195182" y="2858326"/>
+              <a:ext cx="940144" cy="271554"/>
+            </a:xfrm>
+            <a:prstGeom prst="rect">
+              <a:avLst/>
+            </a:prstGeom>
+            <a:noFill/>
+          </p:spPr>
+          <p:txBody>
+            <a:bodyPr wrap="square" rtlCol="0">
+              <a:spAutoFit/>
+            </a:bodyPr>
+            <a:lstStyle/>
+            <a:p>
+              <a:pPr algn="ctr"/>
+              <a:r>
+                <a:rPr lang="en-US" sz="1176" dirty="0">
+                  <a:cs typeface="Helvetica"/>
+                </a:rPr>
+                <a:t>Tabbed</a:t>
+              </a:r>
+            </a:p>
+          </p:txBody>
+        </p:sp>
+      </p:grpSp>
+      <p:pic>
+        <p:nvPicPr>
+          <p:cNvPr id="1026" name="Picture 2">
+            <a:extLst>
+              <a:ext uri="{FF2B5EF4-FFF2-40B4-BE49-F238E27FC236}">
+                <a16:creationId xmlns:a16="http://schemas.microsoft.com/office/drawing/2014/main" id="{994E5E19-7FC7-47AD-93DA-78385327341B}"/>
+              </a:ext>
+            </a:extLst>
+          </p:cNvPr>
+          <p:cNvPicPr>
+            <a:picLocks noChangeAspect="1" noChangeArrowheads="1"/>
+          </p:cNvPicPr>
+          <p:nvPr/>
+        </p:nvPicPr>
+        <p:blipFill>
+          <a:blip r:embed="rId4">
+            <a:extLst>
+              <a:ext uri="{28A0092B-C50C-407E-A947-70E740481C1C}">
+                <a14:useLocalDpi xmlns:a14="http://schemas.microsoft.com/office/drawing/2010/main" val="0"/>
+              </a:ext>
+            </a:extLst>
+          </a:blip>
+          <a:srcRect/>
+          <a:stretch>
+            <a:fillRect/>
+          </a:stretch>
+        </p:blipFill>
+        <p:spPr bwMode="auto">
+          <a:xfrm>
+            <a:off x="5665994" y="1414049"/>
+            <a:ext cx="6281575" cy="4134756"/>
+          </a:xfrm>
+          <a:prstGeom prst="rect">
+            <a:avLst/>
+          </a:prstGeom>
+          <a:noFill/>
+          <a:extLst>
+            <a:ext uri="{909E8E84-426E-40DD-AFC4-6F175D3DCCD1}">
+              <a14:hiddenFill xmlns:a14="http://schemas.microsoft.com/office/drawing/2010/main">
+                <a:solidFill>
+                  <a:srgbClr val="FFFFFF"/>
+                </a:solidFill>
+              </a14:hiddenFill>
+            </a:ext>
+          </a:extLst>
+        </p:spPr>
+      </p:pic>
+    </p:spTree>
+    <p:extLst>
+      <p:ext uri="{BB962C8B-B14F-4D97-AF65-F5344CB8AC3E}">
+        <p14:creationId xmlns:p14="http://schemas.microsoft.com/office/powerpoint/2010/main" val="206719204"/>
+      </p:ext>
+    </p:extLst>
+  </p:cSld>
+  <p:clrMapOvr>
+    <a:masterClrMapping/>
+  </p:clrMapOvr>
+  <p:transition>
+    <p:fade/>
+  </p:transition>
+</p:sld>
+</file>
+
+<file path=ppt/slides/slide3.xml><?xml version="1.0" encoding="utf-8"?>
+<p:sld xmlns:a="http://schemas.openxmlformats.org/drawingml/2006/main" xmlns:r="http://schemas.openxmlformats.org/officeDocument/2006/relationships" xmlns:p="http://schemas.openxmlformats.org/presentationml/2006/main">
+  <p:cSld>
+    <p:spTree>
+      <p:nvGrpSpPr>
+        <p:cNvPr id="1" name=""/>
+        <p:cNvGrpSpPr/>
+        <p:nvPr/>
+      </p:nvGrpSpPr>
+      <p:grpSpPr>
+        <a:xfrm>
+          <a:off x="0" y="0"/>
+          <a:ext cx="0" cy="0"/>
+          <a:chOff x="0" y="0"/>
+          <a:chExt cx="0" cy="0"/>
+        </a:xfrm>
+      </p:grpSpPr>
+      <p:sp>
+        <p:nvSpPr>
+          <p:cNvPr id="3" name="Rounded Rectangle 2"/>
+          <p:cNvSpPr/>
+          <p:nvPr/>
+        </p:nvSpPr>
+        <p:spPr>
+          <a:xfrm>
+            <a:off x="490224" y="1189175"/>
+            <a:ext cx="2033897" cy="666313"/>
+          </a:xfrm>
+          <a:prstGeom prst="roundRect">
+            <a:avLst>
+              <a:gd name="adj" fmla="val 0"/>
+            </a:avLst>
+          </a:prstGeom>
+          <a:solidFill>
+            <a:srgbClr val="008DB5"/>
+          </a:solidFill>
+          <a:ln>
+            <a:noFill/>
+          </a:ln>
+          <a:effectLst/>
+        </p:spPr>
+        <p:style>
+          <a:lnRef idx="1">
+            <a:schemeClr val="accent1"/>
+          </a:lnRef>
+          <a:fillRef idx="3">
+            <a:schemeClr val="accent1"/>
+          </a:fillRef>
+          <a:effectRef idx="2">
+            <a:schemeClr val="accent1"/>
+          </a:effectRef>
+          <a:fontRef idx="minor">
+            <a:schemeClr val="lt1"/>
+          </a:fontRef>
+        </p:style>
+        <p:txBody>
+          <a:bodyPr rtlCol="0" anchor="ctr"/>
+          <a:lstStyle/>
+          <a:p>
+            <a:pPr algn="ctr"/>
+            <a:r>
+              <a:rPr lang="en-US" sz="1765" dirty="0" err="1">
+                <a:solidFill>
+                  <a:schemeClr val="bg2"/>
+                </a:solidFill>
+                <a:cs typeface="Helvetica Light"/>
+              </a:rPr>
+              <a:t>CarouselView</a:t>
+            </a:r>
+            <a:endParaRPr lang="en-US" sz="1765" dirty="0">
+              <a:solidFill>
+                <a:schemeClr val="bg2"/>
+              </a:solidFill>
+              <a:cs typeface="Helvetica Light"/>
+            </a:endParaRPr>
+          </a:p>
+        </p:txBody>
+      </p:sp>
+      <p:sp>
+        <p:nvSpPr>
+          <p:cNvPr id="11" name="Rounded Rectangle 10"/>
+          <p:cNvSpPr/>
+          <p:nvPr/>
+        </p:nvSpPr>
+        <p:spPr>
+          <a:xfrm>
+            <a:off x="2774808" y="1189175"/>
+            <a:ext cx="2033897" cy="666313"/>
+          </a:xfrm>
+          <a:prstGeom prst="roundRect">
+            <a:avLst>
+              <a:gd name="adj" fmla="val 0"/>
+            </a:avLst>
+          </a:prstGeom>
+          <a:solidFill>
+            <a:srgbClr val="008DB5"/>
+          </a:solidFill>
+          <a:ln>
+            <a:noFill/>
+          </a:ln>
+          <a:effectLst/>
+        </p:spPr>
+        <p:style>
+          <a:lnRef idx="1">
+            <a:schemeClr val="accent1"/>
+          </a:lnRef>
+          <a:fillRef idx="3">
+            <a:schemeClr val="accent1"/>
+          </a:fillRef>
+          <a:effectRef idx="2">
+            <a:schemeClr val="accent1"/>
+          </a:effectRef>
+          <a:fontRef idx="minor">
+            <a:schemeClr val="lt1"/>
+          </a:fontRef>
+        </p:style>
+        <p:txBody>
+          <a:bodyPr rtlCol="0" anchor="ctr"/>
+          <a:lstStyle/>
+          <a:p>
+            <a:pPr algn="ctr"/>
+            <a:r>
+              <a:rPr lang="en-US" sz="1765" dirty="0" err="1">
+                <a:solidFill>
+                  <a:schemeClr val="bg2"/>
+                </a:solidFill>
+                <a:cs typeface="Helvetica Light"/>
+              </a:rPr>
+              <a:t>CollectionView</a:t>
+            </a:r>
+            <a:endParaRPr lang="en-US" sz="1765" dirty="0">
+              <a:solidFill>
+                <a:schemeClr val="bg2"/>
+              </a:solidFill>
+              <a:cs typeface="Helvetica Light"/>
+            </a:endParaRPr>
+          </a:p>
+        </p:txBody>
+      </p:sp>
+      <p:sp>
+        <p:nvSpPr>
+          <p:cNvPr id="12" name="Rounded Rectangle 11"/>
+          <p:cNvSpPr/>
+          <p:nvPr/>
+        </p:nvSpPr>
+        <p:spPr>
+          <a:xfrm>
+            <a:off x="5059392" y="1189175"/>
+            <a:ext cx="2033897" cy="666313"/>
+          </a:xfrm>
+          <a:prstGeom prst="roundRect">
+            <a:avLst>
+              <a:gd name="adj" fmla="val 0"/>
+            </a:avLst>
+          </a:prstGeom>
+          <a:solidFill>
+            <a:srgbClr val="008DB5"/>
+          </a:solidFill>
+          <a:ln>
+            <a:noFill/>
+          </a:ln>
+          <a:effectLst/>
+        </p:spPr>
+        <p:style>
+          <a:lnRef idx="1">
+            <a:schemeClr val="accent1"/>
+          </a:lnRef>
+          <a:fillRef idx="3">
+            <a:schemeClr val="accent1"/>
+          </a:fillRef>
+          <a:effectRef idx="2">
+            <a:schemeClr val="accent1"/>
+          </a:effectRef>
+          <a:fontRef idx="minor">
+            <a:schemeClr val="lt1"/>
+          </a:fontRef>
+        </p:style>
+        <p:txBody>
+          <a:bodyPr rtlCol="0" anchor="ctr"/>
+          <a:lstStyle/>
+          <a:p>
+            <a:pPr algn="ctr"/>
+            <a:r>
+              <a:rPr lang="en-US" sz="1765" dirty="0" err="1">
+                <a:solidFill>
+                  <a:schemeClr val="bg2"/>
+                </a:solidFill>
+                <a:cs typeface="Helvetica Light"/>
+              </a:rPr>
+              <a:t>ListView</a:t>
+            </a:r>
+            <a:endParaRPr lang="en-US" sz="1765" dirty="0">
+              <a:solidFill>
+                <a:schemeClr val="bg2"/>
+              </a:solidFill>
+              <a:cs typeface="Helvetica Light"/>
+            </a:endParaRPr>
+          </a:p>
+        </p:txBody>
+      </p:sp>
+      <p:sp>
+        <p:nvSpPr>
+          <p:cNvPr id="13" name="Rounded Rectangle 12"/>
+          <p:cNvSpPr/>
+          <p:nvPr/>
+        </p:nvSpPr>
+        <p:spPr>
+          <a:xfrm>
+            <a:off x="7343976" y="1189175"/>
+            <a:ext cx="2033897" cy="666313"/>
+          </a:xfrm>
+          <a:prstGeom prst="roundRect">
+            <a:avLst>
+              <a:gd name="adj" fmla="val 0"/>
+            </a:avLst>
+          </a:prstGeom>
+          <a:solidFill>
+            <a:srgbClr val="008DB5"/>
+          </a:solidFill>
+          <a:ln>
+            <a:noFill/>
+          </a:ln>
+          <a:effectLst/>
+        </p:spPr>
+        <p:style>
+          <a:lnRef idx="1">
+            <a:schemeClr val="accent1"/>
+          </a:lnRef>
+          <a:fillRef idx="3">
+            <a:schemeClr val="accent1"/>
+          </a:fillRef>
+          <a:effectRef idx="2">
+            <a:schemeClr val="accent1"/>
+          </a:effectRef>
+          <a:fontRef idx="minor">
+            <a:schemeClr val="lt1"/>
+          </a:fontRef>
+        </p:style>
+        <p:txBody>
+          <a:bodyPr rtlCol="0" anchor="ctr"/>
+          <a:lstStyle/>
+          <a:p>
+            <a:pPr algn="ctr"/>
+            <a:r>
+              <a:rPr lang="en-US" sz="1765" dirty="0">
+                <a:solidFill>
+                  <a:schemeClr val="bg2"/>
+                </a:solidFill>
+                <a:cs typeface="Helvetica Light"/>
+              </a:rPr>
+              <a:t>Picker</a:t>
+            </a:r>
+          </a:p>
+        </p:txBody>
+      </p:sp>
+      <p:sp>
+        <p:nvSpPr>
+          <p:cNvPr id="14" name="Rounded Rectangle 13"/>
+          <p:cNvSpPr/>
+          <p:nvPr/>
+        </p:nvSpPr>
+        <p:spPr>
+          <a:xfrm>
+            <a:off x="9628558" y="1189175"/>
+            <a:ext cx="2033897" cy="666313"/>
+          </a:xfrm>
+          <a:prstGeom prst="roundRect">
+            <a:avLst>
+              <a:gd name="adj" fmla="val 0"/>
+            </a:avLst>
+          </a:prstGeom>
+          <a:solidFill>
+            <a:srgbClr val="008DB5"/>
+          </a:solidFill>
+          <a:ln>
+            <a:noFill/>
+          </a:ln>
+          <a:effectLst/>
+        </p:spPr>
+        <p:style>
+          <a:lnRef idx="1">
+            <a:schemeClr val="accent1"/>
+          </a:lnRef>
+          <a:fillRef idx="3">
+            <a:schemeClr val="accent1"/>
+          </a:fillRef>
+          <a:effectRef idx="2">
+            <a:schemeClr val="accent1"/>
+          </a:effectRef>
+          <a:fontRef idx="minor">
+            <a:schemeClr val="lt1"/>
+          </a:fontRef>
+        </p:style>
+        <p:txBody>
+          <a:bodyPr rtlCol="0" anchor="ctr"/>
+          <a:lstStyle/>
+          <a:p>
+            <a:pPr algn="ctr"/>
+            <a:r>
+              <a:rPr lang="en-US" sz="1765" dirty="0" err="1">
+                <a:solidFill>
+                  <a:schemeClr val="bg2"/>
+                </a:solidFill>
+                <a:cs typeface="Helvetica Light"/>
+              </a:rPr>
+              <a:t>TableView</a:t>
+            </a:r>
+            <a:endParaRPr lang="en-US" sz="1765" dirty="0">
+              <a:solidFill>
+                <a:schemeClr val="bg2"/>
+              </a:solidFill>
+              <a:cs typeface="Helvetica Light"/>
+            </a:endParaRPr>
+          </a:p>
+        </p:txBody>
+      </p:sp>
+      <p:sp>
+        <p:nvSpPr>
+          <p:cNvPr id="15" name="Rounded Rectangle 14"/>
+          <p:cNvSpPr/>
+          <p:nvPr/>
+        </p:nvSpPr>
+        <p:spPr>
+          <a:xfrm>
+            <a:off x="490224" y="2116552"/>
+            <a:ext cx="2033897" cy="666313"/>
+          </a:xfrm>
+          <a:prstGeom prst="roundRect">
+            <a:avLst>
+              <a:gd name="adj" fmla="val 0"/>
+            </a:avLst>
+          </a:prstGeom>
+          <a:solidFill>
+            <a:srgbClr val="008DB5"/>
+          </a:solidFill>
+          <a:ln>
+            <a:noFill/>
+          </a:ln>
+          <a:effectLst/>
+        </p:spPr>
+        <p:style>
+          <a:lnRef idx="1">
+            <a:schemeClr val="accent1"/>
+          </a:lnRef>
+          <a:fillRef idx="3">
+            <a:schemeClr val="accent1"/>
+          </a:fillRef>
+          <a:effectRef idx="2">
+            <a:schemeClr val="accent1"/>
+          </a:effectRef>
+          <a:fontRef idx="minor">
+            <a:schemeClr val="lt1"/>
+          </a:fontRef>
+        </p:style>
+        <p:txBody>
+          <a:bodyPr rtlCol="0" anchor="ctr"/>
+          <a:lstStyle/>
+          <a:p>
+            <a:pPr algn="ctr"/>
+            <a:r>
+              <a:rPr lang="en-US" sz="1765" dirty="0" err="1">
+                <a:solidFill>
+                  <a:schemeClr val="bg2"/>
+                </a:solidFill>
+                <a:cs typeface="Helvetica Light"/>
+              </a:rPr>
+              <a:t>IndicatorView</a:t>
+            </a:r>
+            <a:endParaRPr lang="en-US" sz="1765" dirty="0">
+              <a:solidFill>
+                <a:schemeClr val="bg2"/>
+              </a:solidFill>
+              <a:cs typeface="Helvetica Light"/>
+            </a:endParaRPr>
+          </a:p>
+        </p:txBody>
+      </p:sp>
+      <p:sp>
+        <p:nvSpPr>
+          <p:cNvPr id="16" name="Rounded Rectangle 15"/>
+          <p:cNvSpPr/>
+          <p:nvPr/>
+        </p:nvSpPr>
+        <p:spPr>
+          <a:xfrm>
+            <a:off x="2774808" y="2116552"/>
+            <a:ext cx="2033897" cy="666313"/>
+          </a:xfrm>
+          <a:prstGeom prst="roundRect">
+            <a:avLst>
+              <a:gd name="adj" fmla="val 0"/>
+            </a:avLst>
+          </a:prstGeom>
+          <a:solidFill>
+            <a:srgbClr val="008DB5"/>
+          </a:solidFill>
+          <a:ln>
+            <a:noFill/>
+          </a:ln>
+          <a:effectLst/>
+        </p:spPr>
+        <p:style>
+          <a:lnRef idx="1">
+            <a:schemeClr val="accent1"/>
+          </a:lnRef>
+          <a:fillRef idx="3">
+            <a:schemeClr val="accent1"/>
+          </a:fillRef>
+          <a:effectRef idx="2">
+            <a:schemeClr val="accent1"/>
+          </a:effectRef>
+          <a:fontRef idx="minor">
+            <a:schemeClr val="lt1"/>
+          </a:fontRef>
+        </p:style>
+        <p:txBody>
+          <a:bodyPr rtlCol="0" anchor="ctr"/>
+          <a:lstStyle/>
+          <a:p>
+            <a:pPr algn="ctr"/>
+            <a:r>
+              <a:rPr lang="en-US" sz="1765" dirty="0" err="1">
+                <a:solidFill>
+                  <a:schemeClr val="bg2"/>
+                </a:solidFill>
+                <a:cs typeface="Helvetica Light"/>
+              </a:rPr>
+              <a:t>ProgressBar</a:t>
+            </a:r>
+            <a:endParaRPr lang="en-US" sz="1765" dirty="0">
+              <a:solidFill>
+                <a:schemeClr val="bg2"/>
+              </a:solidFill>
+              <a:cs typeface="Helvetica Light"/>
+            </a:endParaRPr>
+          </a:p>
+        </p:txBody>
+      </p:sp>
+      <p:sp>
+        <p:nvSpPr>
+          <p:cNvPr id="17" name="Rounded Rectangle 16"/>
+          <p:cNvSpPr/>
+          <p:nvPr/>
+        </p:nvSpPr>
+        <p:spPr>
+          <a:xfrm>
+            <a:off x="5059392" y="2116552"/>
+            <a:ext cx="2033897" cy="666313"/>
+          </a:xfrm>
+          <a:prstGeom prst="roundRect">
+            <a:avLst>
+              <a:gd name="adj" fmla="val 0"/>
+            </a:avLst>
+          </a:prstGeom>
+          <a:solidFill>
+            <a:srgbClr val="008DB5"/>
+          </a:solidFill>
+          <a:ln>
+            <a:noFill/>
+          </a:ln>
+          <a:effectLst/>
+        </p:spPr>
+        <p:style>
+          <a:lnRef idx="1">
+            <a:schemeClr val="accent1"/>
+          </a:lnRef>
+          <a:fillRef idx="3">
+            <a:schemeClr val="accent1"/>
+          </a:fillRef>
+          <a:effectRef idx="2">
+            <a:schemeClr val="accent1"/>
+          </a:effectRef>
+          <a:fontRef idx="minor">
+            <a:schemeClr val="lt1"/>
+          </a:fontRef>
+        </p:style>
+        <p:txBody>
+          <a:bodyPr rtlCol="0" anchor="ctr"/>
+          <a:lstStyle/>
+          <a:p>
+            <a:pPr algn="ctr"/>
+            <a:r>
+              <a:rPr lang="en-US" sz="1765" dirty="0" err="1">
+                <a:solidFill>
+                  <a:schemeClr val="bg2"/>
+                </a:solidFill>
+                <a:cs typeface="Helvetica Light"/>
+              </a:rPr>
+              <a:t>ActivityIndicator</a:t>
+            </a:r>
+            <a:endParaRPr lang="en-US" sz="1765" dirty="0">
+              <a:solidFill>
+                <a:schemeClr val="bg2"/>
+              </a:solidFill>
+              <a:cs typeface="Helvetica Light"/>
+            </a:endParaRPr>
+          </a:p>
+        </p:txBody>
+      </p:sp>
+      <p:sp>
+        <p:nvSpPr>
+          <p:cNvPr id="18" name="Rounded Rectangle 17"/>
+          <p:cNvSpPr/>
+          <p:nvPr/>
+        </p:nvSpPr>
+        <p:spPr>
+          <a:xfrm>
+            <a:off x="7343976" y="2116552"/>
+            <a:ext cx="2033897" cy="666313"/>
+          </a:xfrm>
+          <a:prstGeom prst="roundRect">
+            <a:avLst>
+              <a:gd name="adj" fmla="val 0"/>
+            </a:avLst>
+          </a:prstGeom>
+          <a:solidFill>
+            <a:srgbClr val="008DB5"/>
+          </a:solidFill>
+          <a:ln>
+            <a:noFill/>
+          </a:ln>
+          <a:effectLst/>
+        </p:spPr>
+        <p:style>
+          <a:lnRef idx="1">
+            <a:schemeClr val="accent1"/>
+          </a:lnRef>
+          <a:fillRef idx="3">
+            <a:schemeClr val="accent1"/>
+          </a:fillRef>
+          <a:effectRef idx="2">
+            <a:schemeClr val="accent1"/>
+          </a:effectRef>
+          <a:fontRef idx="minor">
+            <a:schemeClr val="lt1"/>
+          </a:fontRef>
+        </p:style>
+        <p:txBody>
+          <a:bodyPr rtlCol="0" anchor="ctr"/>
+          <a:lstStyle/>
+          <a:p>
+            <a:pPr algn="ctr"/>
+            <a:r>
+              <a:rPr lang="en-US" sz="1765" dirty="0">
+                <a:solidFill>
+                  <a:schemeClr val="bg2"/>
+                </a:solidFill>
+                <a:cs typeface="Helvetica Light"/>
+              </a:rPr>
+              <a:t>Editor</a:t>
+            </a:r>
+          </a:p>
+        </p:txBody>
+      </p:sp>
+      <p:sp>
+        <p:nvSpPr>
+          <p:cNvPr id="19" name="Rounded Rectangle 18"/>
+          <p:cNvSpPr/>
+          <p:nvPr/>
+        </p:nvSpPr>
+        <p:spPr>
+          <a:xfrm>
+            <a:off x="9628558" y="2116552"/>
+            <a:ext cx="2033897" cy="666313"/>
+          </a:xfrm>
+          <a:prstGeom prst="roundRect">
+            <a:avLst>
+              <a:gd name="adj" fmla="val 0"/>
+            </a:avLst>
+          </a:prstGeom>
+          <a:solidFill>
+            <a:srgbClr val="008DB5"/>
+          </a:solidFill>
+          <a:ln>
+            <a:noFill/>
+          </a:ln>
+          <a:effectLst/>
+        </p:spPr>
+        <p:style>
+          <a:lnRef idx="1">
+            <a:schemeClr val="accent1"/>
+          </a:lnRef>
+          <a:fillRef idx="3">
+            <a:schemeClr val="accent1"/>
+          </a:fillRef>
+          <a:effectRef idx="2">
+            <a:schemeClr val="accent1"/>
+          </a:effectRef>
+          <a:fontRef idx="minor">
+            <a:schemeClr val="lt1"/>
+          </a:fontRef>
+        </p:style>
+        <p:txBody>
+          <a:bodyPr rtlCol="0" anchor="ctr"/>
+          <a:lstStyle/>
+          <a:p>
+            <a:pPr algn="ctr"/>
+            <a:r>
+              <a:rPr lang="en-US" sz="1765" dirty="0">
+                <a:solidFill>
+                  <a:schemeClr val="bg2"/>
+                </a:solidFill>
+                <a:cs typeface="Helvetica Light"/>
+              </a:rPr>
+              <a:t>Entry</a:t>
+            </a:r>
+          </a:p>
+        </p:txBody>
+      </p:sp>
+      <p:sp>
+        <p:nvSpPr>
+          <p:cNvPr id="20" name="Rounded Rectangle 19"/>
+          <p:cNvSpPr/>
+          <p:nvPr/>
+        </p:nvSpPr>
+        <p:spPr>
+          <a:xfrm>
+            <a:off x="490224" y="3043930"/>
+            <a:ext cx="2033897" cy="666313"/>
+          </a:xfrm>
+          <a:prstGeom prst="roundRect">
+            <a:avLst>
+              <a:gd name="adj" fmla="val 0"/>
+            </a:avLst>
+          </a:prstGeom>
+          <a:solidFill>
+            <a:srgbClr val="008DB5"/>
+          </a:solidFill>
+          <a:ln>
+            <a:noFill/>
+          </a:ln>
+          <a:effectLst/>
+        </p:spPr>
+        <p:style>
+          <a:lnRef idx="1">
+            <a:schemeClr val="accent1"/>
+          </a:lnRef>
+          <a:fillRef idx="3">
+            <a:schemeClr val="accent1"/>
+          </a:fillRef>
+          <a:effectRef idx="2">
+            <a:schemeClr val="accent1"/>
+          </a:effectRef>
+          <a:fontRef idx="minor">
+            <a:schemeClr val="lt1"/>
+          </a:fontRef>
+        </p:style>
+        <p:txBody>
+          <a:bodyPr rtlCol="0" anchor="ctr"/>
+          <a:lstStyle/>
+          <a:p>
+            <a:pPr algn="ctr"/>
+            <a:r>
+              <a:rPr lang="en-US" sz="1765" dirty="0" err="1">
+                <a:solidFill>
+                  <a:schemeClr val="bg2"/>
+                </a:solidFill>
+                <a:cs typeface="Helvetica Light"/>
+              </a:rPr>
+              <a:t>CheckBox</a:t>
+            </a:r>
+            <a:endParaRPr lang="en-US" sz="1765" dirty="0">
+              <a:solidFill>
+                <a:schemeClr val="bg2"/>
+              </a:solidFill>
+              <a:cs typeface="Helvetica Light"/>
+            </a:endParaRPr>
+          </a:p>
+        </p:txBody>
+      </p:sp>
+      <p:sp>
+        <p:nvSpPr>
+          <p:cNvPr id="21" name="Rounded Rectangle 20"/>
+          <p:cNvSpPr/>
+          <p:nvPr/>
+        </p:nvSpPr>
+        <p:spPr>
+          <a:xfrm>
+            <a:off x="2774808" y="3043930"/>
+            <a:ext cx="2033897" cy="666313"/>
+          </a:xfrm>
+          <a:prstGeom prst="roundRect">
+            <a:avLst>
+              <a:gd name="adj" fmla="val 0"/>
+            </a:avLst>
+          </a:prstGeom>
+          <a:solidFill>
+            <a:srgbClr val="008DB5"/>
+          </a:solidFill>
+          <a:ln>
+            <a:noFill/>
+          </a:ln>
+          <a:effectLst/>
+        </p:spPr>
+        <p:style>
+          <a:lnRef idx="1">
+            <a:schemeClr val="accent1"/>
+          </a:lnRef>
+          <a:fillRef idx="3">
+            <a:schemeClr val="accent1"/>
+          </a:fillRef>
+          <a:effectRef idx="2">
+            <a:schemeClr val="accent1"/>
+          </a:effectRef>
+          <a:fontRef idx="minor">
+            <a:schemeClr val="lt1"/>
+          </a:fontRef>
+        </p:style>
+        <p:txBody>
+          <a:bodyPr rtlCol="0" anchor="ctr"/>
+          <a:lstStyle/>
+          <a:p>
+            <a:pPr algn="ctr"/>
+            <a:r>
+              <a:rPr lang="en-US" sz="1765" dirty="0" err="1">
+                <a:solidFill>
+                  <a:schemeClr val="bg2"/>
+                </a:solidFill>
+                <a:cs typeface="Helvetica Light"/>
+              </a:rPr>
+              <a:t>DatePicker</a:t>
+            </a:r>
+            <a:endParaRPr lang="en-US" sz="1765" dirty="0">
+              <a:solidFill>
+                <a:schemeClr val="bg2"/>
+              </a:solidFill>
+              <a:cs typeface="Helvetica Light"/>
+            </a:endParaRPr>
+          </a:p>
+        </p:txBody>
+      </p:sp>
+      <p:sp>
+        <p:nvSpPr>
+          <p:cNvPr id="22" name="Rounded Rectangle 21"/>
+          <p:cNvSpPr/>
+          <p:nvPr/>
+        </p:nvSpPr>
+        <p:spPr>
+          <a:xfrm>
+            <a:off x="5059392" y="3043930"/>
+            <a:ext cx="2033897" cy="666313"/>
+          </a:xfrm>
+          <a:prstGeom prst="roundRect">
+            <a:avLst>
+              <a:gd name="adj" fmla="val 0"/>
+            </a:avLst>
+          </a:prstGeom>
+          <a:solidFill>
+            <a:srgbClr val="008DB5"/>
+          </a:solidFill>
+          <a:ln>
+            <a:noFill/>
+          </a:ln>
+          <a:effectLst/>
+        </p:spPr>
+        <p:style>
+          <a:lnRef idx="1">
+            <a:schemeClr val="accent1"/>
+          </a:lnRef>
+          <a:fillRef idx="3">
+            <a:schemeClr val="accent1"/>
+          </a:fillRef>
+          <a:effectRef idx="2">
+            <a:schemeClr val="accent1"/>
+          </a:effectRef>
+          <a:fontRef idx="minor">
+            <a:schemeClr val="lt1"/>
+          </a:fontRef>
+        </p:style>
+        <p:txBody>
+          <a:bodyPr rtlCol="0" anchor="ctr"/>
+          <a:lstStyle/>
+          <a:p>
+            <a:pPr algn="ctr"/>
+            <a:r>
+              <a:rPr lang="en-US" sz="1765" dirty="0">
+                <a:solidFill>
+                  <a:schemeClr val="bg2"/>
+                </a:solidFill>
+                <a:cs typeface="Helvetica Light"/>
+              </a:rPr>
+              <a:t>Slider</a:t>
+            </a:r>
+          </a:p>
+        </p:txBody>
+      </p:sp>
+      <p:sp>
+        <p:nvSpPr>
+          <p:cNvPr id="23" name="Rounded Rectangle 22"/>
+          <p:cNvSpPr/>
+          <p:nvPr/>
+        </p:nvSpPr>
+        <p:spPr>
+          <a:xfrm>
+            <a:off x="7343976" y="3043930"/>
+            <a:ext cx="2033897" cy="666313"/>
+          </a:xfrm>
+          <a:prstGeom prst="roundRect">
+            <a:avLst>
+              <a:gd name="adj" fmla="val 0"/>
+            </a:avLst>
+          </a:prstGeom>
+          <a:solidFill>
+            <a:srgbClr val="008DB5"/>
+          </a:solidFill>
+          <a:ln>
+            <a:noFill/>
+          </a:ln>
+          <a:effectLst/>
+        </p:spPr>
+        <p:style>
+          <a:lnRef idx="1">
+            <a:schemeClr val="accent1"/>
+          </a:lnRef>
+          <a:fillRef idx="3">
+            <a:schemeClr val="accent1"/>
+          </a:fillRef>
+          <a:effectRef idx="2">
+            <a:schemeClr val="accent1"/>
+          </a:effectRef>
+          <a:fontRef idx="minor">
+            <a:schemeClr val="lt1"/>
+          </a:fontRef>
+        </p:style>
+        <p:txBody>
+          <a:bodyPr rtlCol="0" anchor="ctr"/>
+          <a:lstStyle/>
+          <a:p>
+            <a:pPr algn="ctr"/>
+            <a:r>
+              <a:rPr lang="en-US" sz="1765" dirty="0">
+                <a:solidFill>
+                  <a:schemeClr val="bg2"/>
+                </a:solidFill>
+                <a:cs typeface="Helvetica Light"/>
+              </a:rPr>
+              <a:t>Stepper</a:t>
+            </a:r>
+          </a:p>
+        </p:txBody>
+      </p:sp>
+      <p:sp>
+        <p:nvSpPr>
+          <p:cNvPr id="24" name="Rounded Rectangle 23"/>
+          <p:cNvSpPr/>
+          <p:nvPr/>
+        </p:nvSpPr>
+        <p:spPr>
+          <a:xfrm>
+            <a:off x="9628558" y="3043930"/>
+            <a:ext cx="2033897" cy="666313"/>
+          </a:xfrm>
+          <a:prstGeom prst="roundRect">
+            <a:avLst>
+              <a:gd name="adj" fmla="val 0"/>
+            </a:avLst>
+          </a:prstGeom>
+          <a:solidFill>
+            <a:srgbClr val="008DB5"/>
+          </a:solidFill>
+          <a:ln>
+            <a:noFill/>
+          </a:ln>
+          <a:effectLst/>
+        </p:spPr>
+        <p:style>
+          <a:lnRef idx="1">
+            <a:schemeClr val="accent1"/>
+          </a:lnRef>
+          <a:fillRef idx="3">
+            <a:schemeClr val="accent1"/>
+          </a:fillRef>
+          <a:effectRef idx="2">
+            <a:schemeClr val="accent1"/>
+          </a:effectRef>
+          <a:fontRef idx="minor">
+            <a:schemeClr val="lt1"/>
+          </a:fontRef>
+        </p:style>
+        <p:txBody>
+          <a:bodyPr rtlCol="0" anchor="ctr"/>
+          <a:lstStyle/>
+          <a:p>
+            <a:pPr algn="ctr"/>
+            <a:r>
+              <a:rPr lang="en-US" sz="1765" dirty="0">
+                <a:solidFill>
+                  <a:schemeClr val="bg2"/>
+                </a:solidFill>
+                <a:cs typeface="Helvetica Light"/>
+              </a:rPr>
+              <a:t>Switch</a:t>
+            </a:r>
+          </a:p>
+        </p:txBody>
+      </p:sp>
+      <p:sp>
+        <p:nvSpPr>
+          <p:cNvPr id="25" name="Rounded Rectangle 24"/>
+          <p:cNvSpPr/>
+          <p:nvPr/>
+        </p:nvSpPr>
+        <p:spPr>
+          <a:xfrm>
+            <a:off x="490224" y="3971307"/>
+            <a:ext cx="2033897" cy="666313"/>
+          </a:xfrm>
+          <a:prstGeom prst="roundRect">
+            <a:avLst>
+              <a:gd name="adj" fmla="val 0"/>
+            </a:avLst>
+          </a:prstGeom>
+          <a:solidFill>
+            <a:srgbClr val="008DB5"/>
+          </a:solidFill>
+          <a:ln>
+            <a:noFill/>
+          </a:ln>
+          <a:effectLst/>
+        </p:spPr>
+        <p:style>
+          <a:lnRef idx="1">
+            <a:schemeClr val="accent1"/>
+          </a:lnRef>
+          <a:fillRef idx="3">
+            <a:schemeClr val="accent1"/>
+          </a:fillRef>
+          <a:effectRef idx="2">
+            <a:schemeClr val="accent1"/>
+          </a:effectRef>
+          <a:fontRef idx="minor">
+            <a:schemeClr val="lt1"/>
+          </a:fontRef>
+        </p:style>
+        <p:txBody>
+          <a:bodyPr rtlCol="0" anchor="ctr"/>
+          <a:lstStyle/>
+          <a:p>
+            <a:pPr algn="ctr"/>
+            <a:r>
+              <a:rPr lang="en-US" sz="1765" dirty="0" err="1">
+                <a:solidFill>
+                  <a:schemeClr val="bg2"/>
+                </a:solidFill>
+                <a:cs typeface="Helvetica Light"/>
+              </a:rPr>
+              <a:t>TimePicker</a:t>
+            </a:r>
+            <a:endParaRPr lang="en-US" sz="1765" dirty="0">
+              <a:solidFill>
+                <a:schemeClr val="bg2"/>
+              </a:solidFill>
+              <a:cs typeface="Helvetica Light"/>
+            </a:endParaRPr>
+          </a:p>
+        </p:txBody>
+      </p:sp>
+      <p:sp>
+        <p:nvSpPr>
+          <p:cNvPr id="26" name="Rounded Rectangle 25"/>
+          <p:cNvSpPr/>
+          <p:nvPr/>
+        </p:nvSpPr>
+        <p:spPr>
+          <a:xfrm>
+            <a:off x="2774808" y="3971307"/>
+            <a:ext cx="2033897" cy="666313"/>
+          </a:xfrm>
+          <a:prstGeom prst="roundRect">
+            <a:avLst>
+              <a:gd name="adj" fmla="val 0"/>
+            </a:avLst>
+          </a:prstGeom>
+          <a:solidFill>
+            <a:srgbClr val="008DB5"/>
+          </a:solidFill>
+          <a:ln>
+            <a:noFill/>
+          </a:ln>
+          <a:effectLst/>
+        </p:spPr>
+        <p:style>
+          <a:lnRef idx="1">
+            <a:schemeClr val="accent1"/>
+          </a:lnRef>
+          <a:fillRef idx="3">
+            <a:schemeClr val="accent1"/>
+          </a:fillRef>
+          <a:effectRef idx="2">
+            <a:schemeClr val="accent1"/>
+          </a:effectRef>
+          <a:fontRef idx="minor">
+            <a:schemeClr val="lt1"/>
+          </a:fontRef>
+        </p:style>
+        <p:txBody>
+          <a:bodyPr rtlCol="0" anchor="ctr"/>
+          <a:lstStyle/>
+          <a:p>
+            <a:pPr algn="ctr"/>
+            <a:r>
+              <a:rPr lang="en-US" sz="1765" dirty="0">
+                <a:solidFill>
+                  <a:schemeClr val="bg2"/>
+                </a:solidFill>
+                <a:cs typeface="Helvetica Light"/>
+              </a:rPr>
+              <a:t>Button</a:t>
+            </a:r>
+          </a:p>
+        </p:txBody>
+      </p:sp>
+      <p:sp>
+        <p:nvSpPr>
+          <p:cNvPr id="27" name="Rounded Rectangle 26"/>
+          <p:cNvSpPr/>
+          <p:nvPr/>
+        </p:nvSpPr>
+        <p:spPr>
+          <a:xfrm>
+            <a:off x="5059392" y="3971307"/>
+            <a:ext cx="2033897" cy="666313"/>
+          </a:xfrm>
+          <a:prstGeom prst="roundRect">
+            <a:avLst>
+              <a:gd name="adj" fmla="val 0"/>
+            </a:avLst>
+          </a:prstGeom>
+          <a:solidFill>
+            <a:srgbClr val="008DB5"/>
+          </a:solidFill>
+          <a:ln>
+            <a:noFill/>
+          </a:ln>
+          <a:effectLst/>
+        </p:spPr>
+        <p:style>
+          <a:lnRef idx="1">
+            <a:schemeClr val="accent1"/>
+          </a:lnRef>
+          <a:fillRef idx="3">
+            <a:schemeClr val="accent1"/>
+          </a:fillRef>
+          <a:effectRef idx="2">
+            <a:schemeClr val="accent1"/>
+          </a:effectRef>
+          <a:fontRef idx="minor">
+            <a:schemeClr val="lt1"/>
+          </a:fontRef>
+        </p:style>
+        <p:txBody>
+          <a:bodyPr rtlCol="0" anchor="ctr"/>
+          <a:lstStyle/>
+          <a:p>
+            <a:pPr algn="ctr"/>
+            <a:r>
+              <a:rPr lang="en-US" sz="1765" dirty="0" err="1">
+                <a:solidFill>
+                  <a:schemeClr val="bg2"/>
+                </a:solidFill>
+                <a:cs typeface="Helvetica Light"/>
+              </a:rPr>
+              <a:t>ImageButton</a:t>
+            </a:r>
+            <a:endParaRPr lang="en-US" sz="1765" dirty="0">
+              <a:solidFill>
+                <a:schemeClr val="bg2"/>
+              </a:solidFill>
+              <a:cs typeface="Helvetica Light"/>
+            </a:endParaRPr>
+          </a:p>
+        </p:txBody>
+      </p:sp>
+      <p:sp>
+        <p:nvSpPr>
+          <p:cNvPr id="28" name="Rounded Rectangle 27"/>
+          <p:cNvSpPr/>
+          <p:nvPr/>
+        </p:nvSpPr>
+        <p:spPr>
+          <a:xfrm>
+            <a:off x="7343976" y="3978953"/>
+            <a:ext cx="2033897" cy="666313"/>
+          </a:xfrm>
+          <a:prstGeom prst="roundRect">
+            <a:avLst>
+              <a:gd name="adj" fmla="val 0"/>
+            </a:avLst>
+          </a:prstGeom>
+          <a:solidFill>
+            <a:srgbClr val="008DB5"/>
+          </a:solidFill>
+          <a:ln>
+            <a:noFill/>
+          </a:ln>
+          <a:effectLst/>
+        </p:spPr>
+        <p:style>
+          <a:lnRef idx="1">
+            <a:schemeClr val="accent1"/>
+          </a:lnRef>
+          <a:fillRef idx="3">
+            <a:schemeClr val="accent1"/>
+          </a:fillRef>
+          <a:effectRef idx="2">
+            <a:schemeClr val="accent1"/>
+          </a:effectRef>
+          <a:fontRef idx="minor">
+            <a:schemeClr val="lt1"/>
+          </a:fontRef>
+        </p:style>
+        <p:txBody>
+          <a:bodyPr rtlCol="0" anchor="ctr"/>
+          <a:lstStyle/>
+          <a:p>
+            <a:pPr algn="ctr"/>
+            <a:r>
+              <a:rPr lang="en-US" sz="1765" dirty="0" err="1">
+                <a:solidFill>
+                  <a:schemeClr val="bg2"/>
+                </a:solidFill>
+                <a:cs typeface="Helvetica Light"/>
+              </a:rPr>
+              <a:t>RadioButton</a:t>
+            </a:r>
+            <a:endParaRPr lang="en-US" sz="1765" dirty="0">
+              <a:solidFill>
+                <a:schemeClr val="bg2"/>
+              </a:solidFill>
+              <a:cs typeface="Helvetica Light"/>
+            </a:endParaRPr>
+          </a:p>
+        </p:txBody>
+      </p:sp>
+      <p:sp>
+        <p:nvSpPr>
+          <p:cNvPr id="29" name="Rounded Rectangle 28"/>
+          <p:cNvSpPr/>
+          <p:nvPr/>
+        </p:nvSpPr>
+        <p:spPr>
+          <a:xfrm>
+            <a:off x="9628558" y="3978953"/>
+            <a:ext cx="2033897" cy="666313"/>
+          </a:xfrm>
+          <a:prstGeom prst="roundRect">
+            <a:avLst>
+              <a:gd name="adj" fmla="val 0"/>
+            </a:avLst>
+          </a:prstGeom>
+          <a:solidFill>
+            <a:srgbClr val="008DB5"/>
+          </a:solidFill>
+          <a:ln>
+            <a:noFill/>
+          </a:ln>
+          <a:effectLst/>
+        </p:spPr>
+        <p:style>
+          <a:lnRef idx="1">
+            <a:schemeClr val="accent1"/>
+          </a:lnRef>
+          <a:fillRef idx="3">
+            <a:schemeClr val="accent1"/>
+          </a:fillRef>
+          <a:effectRef idx="2">
+            <a:schemeClr val="accent1"/>
+          </a:effectRef>
+          <a:fontRef idx="minor">
+            <a:schemeClr val="lt1"/>
+          </a:fontRef>
+        </p:style>
+        <p:txBody>
+          <a:bodyPr rtlCol="0" anchor="ctr"/>
+          <a:lstStyle/>
+          <a:p>
+            <a:pPr algn="ctr"/>
+            <a:r>
+              <a:rPr lang="en-US" sz="1765" dirty="0" err="1">
+                <a:solidFill>
+                  <a:schemeClr val="bg2"/>
+                </a:solidFill>
+                <a:cs typeface="Helvetica Light"/>
+              </a:rPr>
+              <a:t>RefreshView</a:t>
+            </a:r>
+            <a:endParaRPr lang="en-US" sz="1765" dirty="0">
+              <a:solidFill>
+                <a:schemeClr val="bg2"/>
+              </a:solidFill>
+              <a:cs typeface="Helvetica Light"/>
+            </a:endParaRPr>
+          </a:p>
+        </p:txBody>
+      </p:sp>
+      <p:sp>
+        <p:nvSpPr>
+          <p:cNvPr id="30" name="Rounded Rectangle 29"/>
+          <p:cNvSpPr/>
+          <p:nvPr/>
+        </p:nvSpPr>
+        <p:spPr>
+          <a:xfrm>
+            <a:off x="490224" y="5645000"/>
+            <a:ext cx="2033897" cy="666313"/>
+          </a:xfrm>
+          <a:prstGeom prst="roundRect">
+            <a:avLst>
+              <a:gd name="adj" fmla="val 0"/>
+            </a:avLst>
+          </a:prstGeom>
+          <a:solidFill>
+            <a:srgbClr val="008DB5"/>
+          </a:solidFill>
+          <a:ln>
+            <a:noFill/>
+          </a:ln>
+          <a:effectLst/>
+        </p:spPr>
+        <p:style>
+          <a:lnRef idx="1">
+            <a:schemeClr val="accent1"/>
+          </a:lnRef>
+          <a:fillRef idx="3">
+            <a:schemeClr val="accent1"/>
+          </a:fillRef>
+          <a:effectRef idx="2">
+            <a:schemeClr val="accent1"/>
+          </a:effectRef>
+          <a:fontRef idx="minor">
+            <a:schemeClr val="lt1"/>
+          </a:fontRef>
+        </p:style>
+        <p:txBody>
+          <a:bodyPr rtlCol="0" anchor="ctr"/>
+          <a:lstStyle/>
+          <a:p>
+            <a:pPr algn="ctr"/>
+            <a:r>
+              <a:rPr lang="en-US" sz="1765" dirty="0">
+                <a:solidFill>
+                  <a:schemeClr val="bg2"/>
+                </a:solidFill>
+                <a:cs typeface="Helvetica Light"/>
+              </a:rPr>
+              <a:t>Frame</a:t>
+            </a:r>
+          </a:p>
+        </p:txBody>
+      </p:sp>
+      <p:sp>
+        <p:nvSpPr>
+          <p:cNvPr id="31" name="Rounded Rectangle 30"/>
+          <p:cNvSpPr/>
+          <p:nvPr/>
+        </p:nvSpPr>
+        <p:spPr>
+          <a:xfrm>
+            <a:off x="2774808" y="5645000"/>
+            <a:ext cx="2033897" cy="666313"/>
+          </a:xfrm>
+          <a:prstGeom prst="roundRect">
+            <a:avLst>
+              <a:gd name="adj" fmla="val 0"/>
+            </a:avLst>
+          </a:prstGeom>
+          <a:solidFill>
+            <a:srgbClr val="008DB5"/>
+          </a:solidFill>
+          <a:ln>
+            <a:noFill/>
+          </a:ln>
+          <a:effectLst/>
+        </p:spPr>
+        <p:style>
+          <a:lnRef idx="1">
+            <a:schemeClr val="accent1"/>
+          </a:lnRef>
+          <a:fillRef idx="3">
+            <a:schemeClr val="accent1"/>
+          </a:fillRef>
+          <a:effectRef idx="2">
+            <a:schemeClr val="accent1"/>
+          </a:effectRef>
+          <a:fontRef idx="minor">
+            <a:schemeClr val="lt1"/>
+          </a:fontRef>
+        </p:style>
+        <p:txBody>
+          <a:bodyPr rtlCol="0" anchor="ctr"/>
+          <a:lstStyle/>
+          <a:p>
+            <a:pPr algn="ctr"/>
+            <a:r>
+              <a:rPr lang="en-US" sz="1765" dirty="0" err="1">
+                <a:solidFill>
+                  <a:schemeClr val="bg2"/>
+                </a:solidFill>
+                <a:cs typeface="Helvetica Light"/>
+              </a:rPr>
+              <a:t>GraphicsView</a:t>
+            </a:r>
+            <a:endParaRPr lang="en-US" sz="1765" dirty="0">
+              <a:solidFill>
+                <a:schemeClr val="bg2"/>
+              </a:solidFill>
+              <a:cs typeface="Helvetica Light"/>
+            </a:endParaRPr>
+          </a:p>
+        </p:txBody>
+      </p:sp>
+      <p:sp>
+        <p:nvSpPr>
+          <p:cNvPr id="32" name="Rounded Rectangle 31"/>
+          <p:cNvSpPr/>
+          <p:nvPr/>
+        </p:nvSpPr>
+        <p:spPr>
+          <a:xfrm>
+            <a:off x="5059392" y="5645000"/>
+            <a:ext cx="2033897" cy="666313"/>
+          </a:xfrm>
+          <a:prstGeom prst="roundRect">
+            <a:avLst>
+              <a:gd name="adj" fmla="val 0"/>
+            </a:avLst>
+          </a:prstGeom>
+          <a:solidFill>
+            <a:srgbClr val="008DB5"/>
+          </a:solidFill>
+          <a:ln>
+            <a:noFill/>
+          </a:ln>
+          <a:effectLst/>
+        </p:spPr>
+        <p:style>
+          <a:lnRef idx="1">
+            <a:schemeClr val="accent1"/>
+          </a:lnRef>
+          <a:fillRef idx="3">
+            <a:schemeClr val="accent1"/>
+          </a:fillRef>
+          <a:effectRef idx="2">
+            <a:schemeClr val="accent1"/>
+          </a:effectRef>
+          <a:fontRef idx="minor">
+            <a:schemeClr val="lt1"/>
+          </a:fontRef>
+        </p:style>
+        <p:txBody>
+          <a:bodyPr rtlCol="0" anchor="ctr"/>
+          <a:lstStyle/>
+          <a:p>
+            <a:pPr algn="ctr"/>
+            <a:r>
+              <a:rPr lang="en-US" sz="1765" dirty="0">
+                <a:solidFill>
+                  <a:schemeClr val="bg2"/>
+                </a:solidFill>
+                <a:cs typeface="Helvetica Light"/>
+              </a:rPr>
+              <a:t>Image</a:t>
+            </a:r>
+          </a:p>
+        </p:txBody>
+      </p:sp>
+      <p:sp>
+        <p:nvSpPr>
+          <p:cNvPr id="33" name="Rounded Rectangle 32"/>
+          <p:cNvSpPr/>
+          <p:nvPr/>
+        </p:nvSpPr>
+        <p:spPr>
+          <a:xfrm>
+            <a:off x="7343976" y="5645000"/>
+            <a:ext cx="2033897" cy="666313"/>
+          </a:xfrm>
+          <a:prstGeom prst="roundRect">
+            <a:avLst>
+              <a:gd name="adj" fmla="val 0"/>
+            </a:avLst>
+          </a:prstGeom>
+          <a:solidFill>
+            <a:srgbClr val="008DB5"/>
+          </a:solidFill>
+          <a:ln>
+            <a:noFill/>
+          </a:ln>
+          <a:effectLst/>
+        </p:spPr>
+        <p:style>
+          <a:lnRef idx="1">
+            <a:schemeClr val="accent1"/>
+          </a:lnRef>
+          <a:fillRef idx="3">
+            <a:schemeClr val="accent1"/>
+          </a:fillRef>
+          <a:effectRef idx="2">
+            <a:schemeClr val="accent1"/>
+          </a:effectRef>
+          <a:fontRef idx="minor">
+            <a:schemeClr val="lt1"/>
+          </a:fontRef>
+        </p:style>
+        <p:txBody>
+          <a:bodyPr rtlCol="0" anchor="ctr"/>
+          <a:lstStyle/>
+          <a:p>
+            <a:pPr algn="ctr"/>
+            <a:r>
+              <a:rPr lang="en-US" sz="1765" dirty="0">
+                <a:solidFill>
+                  <a:schemeClr val="bg2"/>
+                </a:solidFill>
+                <a:cs typeface="Helvetica Light"/>
+              </a:rPr>
+              <a:t>Label</a:t>
+            </a:r>
+          </a:p>
+        </p:txBody>
+      </p:sp>
+      <p:sp>
+        <p:nvSpPr>
+          <p:cNvPr id="5" name="Title 4"/>
+          <p:cNvSpPr>
+            <a:spLocks noGrp="1"/>
+          </p:cNvSpPr>
+          <p:nvPr>
+            <p:ph type="title"/>
+          </p:nvPr>
+        </p:nvSpPr>
+        <p:spPr>
+          <a:xfrm>
+            <a:off x="269240" y="170909"/>
+            <a:ext cx="11655840" cy="899665"/>
+          </a:xfrm>
+        </p:spPr>
+        <p:txBody>
+          <a:bodyPr/>
+          <a:lstStyle/>
+          <a:p>
+            <a:r>
+              <a:rPr lang="en-US" dirty="0" err="1"/>
+              <a:t>Controles</a:t>
+            </a:r>
+            <a:endParaRPr lang="en-US" dirty="0"/>
+          </a:p>
+        </p:txBody>
+      </p:sp>
+      <p:sp>
+        <p:nvSpPr>
+          <p:cNvPr id="34" name="Rounded Rectangle 32">
+            <a:extLst>
+              <a:ext uri="{FF2B5EF4-FFF2-40B4-BE49-F238E27FC236}">
+                <a16:creationId xmlns:a16="http://schemas.microsoft.com/office/drawing/2014/main" id="{F764687A-1B61-4500-ACA7-D9ADBFDC2804}"/>
+              </a:ext>
+            </a:extLst>
+          </p:cNvPr>
+          <p:cNvSpPr/>
+          <p:nvPr/>
+        </p:nvSpPr>
+        <p:spPr>
+          <a:xfrm>
+            <a:off x="9628558" y="5644999"/>
+            <a:ext cx="2033897" cy="666313"/>
+          </a:xfrm>
+          <a:prstGeom prst="roundRect">
+            <a:avLst>
+              <a:gd name="adj" fmla="val 0"/>
+            </a:avLst>
+          </a:prstGeom>
+          <a:solidFill>
+            <a:srgbClr val="008DB5"/>
+          </a:solidFill>
+          <a:ln>
+            <a:noFill/>
+          </a:ln>
+          <a:effectLst/>
+        </p:spPr>
+        <p:style>
+          <a:lnRef idx="1">
+            <a:schemeClr val="accent1"/>
+          </a:lnRef>
+          <a:fillRef idx="3">
+            <a:schemeClr val="accent1"/>
+          </a:fillRef>
+          <a:effectRef idx="2">
+            <a:schemeClr val="accent1"/>
+          </a:effectRef>
+          <a:fontRef idx="minor">
+            <a:schemeClr val="lt1"/>
+          </a:fontRef>
+        </p:style>
+        <p:txBody>
+          <a:bodyPr rtlCol="0" anchor="ctr"/>
+          <a:lstStyle/>
+          <a:p>
+            <a:pPr algn="ctr"/>
+            <a:r>
+              <a:rPr lang="en-US" sz="1765" dirty="0" err="1">
+                <a:solidFill>
+                  <a:schemeClr val="bg2"/>
+                </a:solidFill>
+                <a:cs typeface="Helvetica Light"/>
+              </a:rPr>
+              <a:t>ScrollView</a:t>
+            </a:r>
+            <a:endParaRPr lang="en-US" sz="1765" dirty="0">
+              <a:solidFill>
+                <a:schemeClr val="bg2"/>
+              </a:solidFill>
+              <a:cs typeface="Helvetica Light"/>
+            </a:endParaRPr>
+          </a:p>
+        </p:txBody>
+      </p:sp>
+      <p:sp>
+        <p:nvSpPr>
+          <p:cNvPr id="35" name="Rounded Rectangle 29">
+            <a:extLst>
+              <a:ext uri="{FF2B5EF4-FFF2-40B4-BE49-F238E27FC236}">
+                <a16:creationId xmlns:a16="http://schemas.microsoft.com/office/drawing/2014/main" id="{9AD01D68-6EC8-4780-8A01-97B4A2CCB4BD}"/>
+              </a:ext>
+            </a:extLst>
+          </p:cNvPr>
+          <p:cNvSpPr/>
+          <p:nvPr/>
+        </p:nvSpPr>
+        <p:spPr>
+          <a:xfrm>
+            <a:off x="509883" y="4806597"/>
+            <a:ext cx="2033897" cy="666313"/>
+          </a:xfrm>
+          <a:prstGeom prst="roundRect">
+            <a:avLst>
+              <a:gd name="adj" fmla="val 0"/>
+            </a:avLst>
+          </a:prstGeom>
+          <a:solidFill>
+            <a:srgbClr val="008DB5"/>
+          </a:solidFill>
+          <a:ln>
+            <a:noFill/>
+          </a:ln>
+          <a:effectLst/>
+        </p:spPr>
+        <p:style>
+          <a:lnRef idx="1">
+            <a:schemeClr val="accent1"/>
+          </a:lnRef>
+          <a:fillRef idx="3">
+            <a:schemeClr val="accent1"/>
+          </a:fillRef>
+          <a:effectRef idx="2">
+            <a:schemeClr val="accent1"/>
+          </a:effectRef>
+          <a:fontRef idx="minor">
+            <a:schemeClr val="lt1"/>
+          </a:fontRef>
+        </p:style>
+        <p:txBody>
+          <a:bodyPr rtlCol="0" anchor="ctr"/>
+          <a:lstStyle/>
+          <a:p>
+            <a:pPr algn="ctr"/>
+            <a:r>
+              <a:rPr lang="en-US" sz="1765" dirty="0" err="1">
+                <a:solidFill>
+                  <a:schemeClr val="bg2"/>
+                </a:solidFill>
+                <a:cs typeface="Helvetica Light"/>
+              </a:rPr>
+              <a:t>SearchBar</a:t>
+            </a:r>
+            <a:endParaRPr lang="en-US" sz="1765" dirty="0">
+              <a:solidFill>
+                <a:schemeClr val="bg2"/>
+              </a:solidFill>
+              <a:cs typeface="Helvetica Light"/>
+            </a:endParaRPr>
+          </a:p>
+        </p:txBody>
+      </p:sp>
+      <p:sp>
+        <p:nvSpPr>
+          <p:cNvPr id="36" name="Rounded Rectangle 30">
+            <a:extLst>
+              <a:ext uri="{FF2B5EF4-FFF2-40B4-BE49-F238E27FC236}">
+                <a16:creationId xmlns:a16="http://schemas.microsoft.com/office/drawing/2014/main" id="{FD91DE55-5D36-43C3-BFA1-D32B7EA7F6E8}"/>
+              </a:ext>
+            </a:extLst>
+          </p:cNvPr>
+          <p:cNvSpPr/>
+          <p:nvPr/>
+        </p:nvSpPr>
+        <p:spPr>
+          <a:xfrm>
+            <a:off x="2794467" y="4806597"/>
+            <a:ext cx="2033897" cy="666313"/>
+          </a:xfrm>
+          <a:prstGeom prst="roundRect">
+            <a:avLst>
+              <a:gd name="adj" fmla="val 0"/>
+            </a:avLst>
+          </a:prstGeom>
+          <a:solidFill>
+            <a:srgbClr val="008DB5"/>
+          </a:solidFill>
+          <a:ln>
+            <a:noFill/>
+          </a:ln>
+          <a:effectLst/>
+        </p:spPr>
+        <p:style>
+          <a:lnRef idx="1">
+            <a:schemeClr val="accent1"/>
+          </a:lnRef>
+          <a:fillRef idx="3">
+            <a:schemeClr val="accent1"/>
+          </a:fillRef>
+          <a:effectRef idx="2">
+            <a:schemeClr val="accent1"/>
+          </a:effectRef>
+          <a:fontRef idx="minor">
+            <a:schemeClr val="lt1"/>
+          </a:fontRef>
+        </p:style>
+        <p:txBody>
+          <a:bodyPr rtlCol="0" anchor="ctr"/>
+          <a:lstStyle/>
+          <a:p>
+            <a:pPr algn="ctr"/>
+            <a:r>
+              <a:rPr lang="en-US" sz="1765" dirty="0" err="1">
+                <a:solidFill>
+                  <a:schemeClr val="bg2"/>
+                </a:solidFill>
+                <a:cs typeface="Helvetica Light"/>
+              </a:rPr>
+              <a:t>SwipeView</a:t>
+            </a:r>
+            <a:endParaRPr lang="en-US" sz="1765" dirty="0">
+              <a:solidFill>
+                <a:schemeClr val="bg2"/>
+              </a:solidFill>
+              <a:cs typeface="Helvetica Light"/>
+            </a:endParaRPr>
+          </a:p>
+        </p:txBody>
+      </p:sp>
+      <p:sp>
+        <p:nvSpPr>
+          <p:cNvPr id="37" name="Rounded Rectangle 31">
+            <a:extLst>
+              <a:ext uri="{FF2B5EF4-FFF2-40B4-BE49-F238E27FC236}">
+                <a16:creationId xmlns:a16="http://schemas.microsoft.com/office/drawing/2014/main" id="{C63329B3-17C5-405F-AC9D-5352064491D5}"/>
+              </a:ext>
+            </a:extLst>
+          </p:cNvPr>
+          <p:cNvSpPr/>
+          <p:nvPr/>
+        </p:nvSpPr>
+        <p:spPr>
+          <a:xfrm>
+            <a:off x="5079051" y="4806597"/>
+            <a:ext cx="2033897" cy="666313"/>
+          </a:xfrm>
+          <a:prstGeom prst="roundRect">
+            <a:avLst>
+              <a:gd name="adj" fmla="val 0"/>
+            </a:avLst>
+          </a:prstGeom>
+          <a:solidFill>
+            <a:srgbClr val="008DB5"/>
+          </a:solidFill>
+          <a:ln>
+            <a:noFill/>
+          </a:ln>
+          <a:effectLst/>
+        </p:spPr>
+        <p:style>
+          <a:lnRef idx="1">
+            <a:schemeClr val="accent1"/>
+          </a:lnRef>
+          <a:fillRef idx="3">
+            <a:schemeClr val="accent1"/>
+          </a:fillRef>
+          <a:effectRef idx="2">
+            <a:schemeClr val="accent1"/>
+          </a:effectRef>
+          <a:fontRef idx="minor">
+            <a:schemeClr val="lt1"/>
+          </a:fontRef>
+        </p:style>
+        <p:txBody>
+          <a:bodyPr rtlCol="0" anchor="ctr"/>
+          <a:lstStyle/>
+          <a:p>
+            <a:pPr algn="ctr"/>
+            <a:r>
+              <a:rPr lang="en-US" sz="1765" dirty="0" err="1">
+                <a:solidFill>
+                  <a:schemeClr val="bg2"/>
+                </a:solidFill>
+                <a:cs typeface="Helvetica Light"/>
+              </a:rPr>
+              <a:t>BlazorWebview</a:t>
+            </a:r>
+            <a:endParaRPr lang="en-US" sz="1765" dirty="0">
+              <a:solidFill>
+                <a:schemeClr val="bg2"/>
+              </a:solidFill>
+              <a:cs typeface="Helvetica Light"/>
+            </a:endParaRPr>
+          </a:p>
+        </p:txBody>
+      </p:sp>
+      <p:sp>
+        <p:nvSpPr>
+          <p:cNvPr id="38" name="Rounded Rectangle 32">
+            <a:extLst>
+              <a:ext uri="{FF2B5EF4-FFF2-40B4-BE49-F238E27FC236}">
+                <a16:creationId xmlns:a16="http://schemas.microsoft.com/office/drawing/2014/main" id="{6A19B317-3EAF-4697-8140-B155655148A3}"/>
+              </a:ext>
+            </a:extLst>
+          </p:cNvPr>
+          <p:cNvSpPr/>
+          <p:nvPr/>
+        </p:nvSpPr>
+        <p:spPr>
+          <a:xfrm>
+            <a:off x="7363635" y="4806597"/>
+            <a:ext cx="2033897" cy="666313"/>
+          </a:xfrm>
+          <a:prstGeom prst="roundRect">
+            <a:avLst>
+              <a:gd name="adj" fmla="val 0"/>
+            </a:avLst>
+          </a:prstGeom>
+          <a:solidFill>
+            <a:srgbClr val="008DB5"/>
+          </a:solidFill>
+          <a:ln>
+            <a:noFill/>
+          </a:ln>
+          <a:effectLst/>
+        </p:spPr>
+        <p:style>
+          <a:lnRef idx="1">
+            <a:schemeClr val="accent1"/>
+          </a:lnRef>
+          <a:fillRef idx="3">
+            <a:schemeClr val="accent1"/>
+          </a:fillRef>
+          <a:effectRef idx="2">
+            <a:schemeClr val="accent1"/>
+          </a:effectRef>
+          <a:fontRef idx="minor">
+            <a:schemeClr val="lt1"/>
+          </a:fontRef>
+        </p:style>
+        <p:txBody>
+          <a:bodyPr rtlCol="0" anchor="ctr"/>
+          <a:lstStyle/>
+          <a:p>
+            <a:pPr algn="ctr"/>
+            <a:r>
+              <a:rPr lang="en-US" sz="1765" dirty="0">
+                <a:solidFill>
+                  <a:schemeClr val="bg2"/>
+                </a:solidFill>
+                <a:cs typeface="Helvetica Light"/>
+              </a:rPr>
+              <a:t>Border</a:t>
+            </a:r>
+          </a:p>
+        </p:txBody>
+      </p:sp>
+      <p:sp>
+        <p:nvSpPr>
+          <p:cNvPr id="39" name="Rounded Rectangle 32">
+            <a:extLst>
+              <a:ext uri="{FF2B5EF4-FFF2-40B4-BE49-F238E27FC236}">
+                <a16:creationId xmlns:a16="http://schemas.microsoft.com/office/drawing/2014/main" id="{E736E1CA-176F-401F-8AC0-E9781B60C964}"/>
+              </a:ext>
+            </a:extLst>
+          </p:cNvPr>
+          <p:cNvSpPr/>
+          <p:nvPr/>
+        </p:nvSpPr>
+        <p:spPr>
+          <a:xfrm>
+            <a:off x="9648217" y="4806596"/>
+            <a:ext cx="2033897" cy="666313"/>
+          </a:xfrm>
+          <a:prstGeom prst="roundRect">
+            <a:avLst>
+              <a:gd name="adj" fmla="val 0"/>
+            </a:avLst>
+          </a:prstGeom>
+          <a:solidFill>
+            <a:srgbClr val="008DB5"/>
+          </a:solidFill>
+          <a:ln>
+            <a:noFill/>
+          </a:ln>
+          <a:effectLst/>
+        </p:spPr>
+        <p:style>
+          <a:lnRef idx="1">
+            <a:schemeClr val="accent1"/>
+          </a:lnRef>
+          <a:fillRef idx="3">
+            <a:schemeClr val="accent1"/>
+          </a:fillRef>
+          <a:effectRef idx="2">
+            <a:schemeClr val="accent1"/>
+          </a:effectRef>
+          <a:fontRef idx="minor">
+            <a:schemeClr val="lt1"/>
+          </a:fontRef>
+        </p:style>
+        <p:txBody>
+          <a:bodyPr rtlCol="0" anchor="ctr"/>
+          <a:lstStyle/>
+          <a:p>
+            <a:pPr algn="ctr"/>
+            <a:r>
+              <a:rPr lang="en-US" sz="1765" dirty="0" err="1">
+                <a:solidFill>
+                  <a:schemeClr val="bg2"/>
+                </a:solidFill>
+                <a:cs typeface="Helvetica Light"/>
+              </a:rPr>
+              <a:t>BoxView</a:t>
+            </a:r>
+            <a:endParaRPr lang="en-US" sz="1765" dirty="0">
+              <a:solidFill>
+                <a:schemeClr val="bg2"/>
+              </a:solidFill>
+              <a:cs typeface="Helvetica Light"/>
+            </a:endParaRPr>
+          </a:p>
+        </p:txBody>
+      </p:sp>
+    </p:spTree>
+    <p:extLst>
+      <p:ext uri="{BB962C8B-B14F-4D97-AF65-F5344CB8AC3E}">
+        <p14:creationId xmlns:p14="http://schemas.microsoft.com/office/powerpoint/2010/main" val="1848717054"/>
+      </p:ext>
+    </p:extLst>
+  </p:cSld>
+  <p:clrMapOvr>
+    <a:masterClrMapping/>
+  </p:clrMapOvr>
+  <p:transition>
+    <p:fade/>
+  </p:transition>
+</p:sld>
+</file>
+
+<file path=ppt/slides/slide4.xml><?xml version="1.0" encoding="utf-8"?>
+<p:sld xmlns:a="http://schemas.openxmlformats.org/drawingml/2006/main" xmlns:r="http://schemas.openxmlformats.org/officeDocument/2006/relationships" xmlns:p="http://schemas.openxmlformats.org/presentationml/2006/main">
+  <p:cSld>
+    <p:spTree>
+      <p:nvGrpSpPr>
+        <p:cNvPr id="1" name=""/>
+        <p:cNvGrpSpPr/>
+        <p:nvPr/>
+      </p:nvGrpSpPr>
+      <p:grpSpPr>
+        <a:xfrm>
+          <a:off x="0" y="0"/>
+          <a:ext cx="0" cy="0"/>
+          <a:chOff x="0" y="0"/>
+          <a:chExt cx="0" cy="0"/>
+        </a:xfrm>
+      </p:grpSpPr>
+      <p:sp>
+        <p:nvSpPr>
+          <p:cNvPr id="2" name="Title 1">
+            <a:extLst>
+              <a:ext uri="{FF2B5EF4-FFF2-40B4-BE49-F238E27FC236}">
+                <a16:creationId xmlns:a16="http://schemas.microsoft.com/office/drawing/2014/main" id="{F11A000C-A1A4-452A-A6C7-DA15055C2D9A}"/>
+              </a:ext>
+            </a:extLst>
+          </p:cNvPr>
+          <p:cNvSpPr>
+            <a:spLocks noGrp="1"/>
+          </p:cNvSpPr>
+          <p:nvPr>
+            <p:ph type="title"/>
+          </p:nvPr>
+        </p:nvSpPr>
+        <p:spPr/>
+        <p:txBody>
+          <a:bodyPr/>
+          <a:lstStyle/>
+          <a:p>
+            <a:r>
+              <a:rPr lang="es-ES" dirty="0"/>
+              <a:t>Crear Apps</a:t>
+            </a:r>
+            <a:endParaRPr lang="en-US" dirty="0"/>
+          </a:p>
+        </p:txBody>
+      </p:sp>
+      <p:sp>
+        <p:nvSpPr>
+          <p:cNvPr id="3" name="Rectangle 2">
+            <a:extLst>
+              <a:ext uri="{FF2B5EF4-FFF2-40B4-BE49-F238E27FC236}">
+                <a16:creationId xmlns:a16="http://schemas.microsoft.com/office/drawing/2014/main" id="{FC0F59C0-E5F3-4D07-8602-FB86D948E46D}"/>
+              </a:ext>
+            </a:extLst>
+          </p:cNvPr>
+          <p:cNvSpPr/>
+          <p:nvPr/>
+        </p:nvSpPr>
+        <p:spPr bwMode="auto">
+          <a:xfrm>
+            <a:off x="867265" y="3429000"/>
+            <a:ext cx="2347275" cy="1140643"/>
+          </a:xfrm>
+          <a:prstGeom prst="rect">
+            <a:avLst/>
+          </a:prstGeom>
+          <a:solidFill>
+            <a:schemeClr val="accent1"/>
+          </a:solidFill>
+          <a:ln>
+            <a:noFill/>
+            <a:headEnd type="none" w="med" len="med"/>
+            <a:tailEnd type="none" w="med" len="med"/>
+          </a:ln>
+          <a:effectLst/>
+        </p:spPr>
+        <p:style>
+          <a:lnRef idx="1">
+            <a:schemeClr val="accent2"/>
+          </a:lnRef>
+          <a:fillRef idx="3">
+            <a:schemeClr val="accent2"/>
+          </a:fillRef>
+          <a:effectRef idx="2">
+            <a:schemeClr val="accent2"/>
+          </a:effectRef>
+          <a:fontRef idx="minor">
+            <a:schemeClr val="lt1"/>
+          </a:fontRef>
+        </p:style>
+        <p:txBody>
+          <a:bodyPr lIns="91440" tIns="91440" rIns="34294" bIns="34294" rtlCol="0" anchor="ctr" anchorCtr="0"/>
+          <a:lstStyle/>
+          <a:p>
+            <a:pPr algn="ctr" defTabSz="932406"/>
+            <a:r>
+              <a:rPr lang="es-ES" sz="2400" dirty="0">
+                <a:gradFill>
+                  <a:gsLst>
+                    <a:gs pos="0">
+                      <a:srgbClr val="FFFFFF"/>
+                    </a:gs>
+                    <a:gs pos="100000">
+                      <a:srgbClr val="FFFFFF"/>
+                    </a:gs>
+                  </a:gsLst>
+                  <a:lin ang="5400000" scaled="0"/>
+                </a:gradFill>
+                <a:ea typeface="Segoe UI" pitchFamily="34" charset="0"/>
+                <a:cs typeface="Segoe UI" pitchFamily="34" charset="0"/>
+              </a:rPr>
+              <a:t>App</a:t>
+            </a:r>
+            <a:endParaRPr lang="en-US" sz="800" dirty="0">
+              <a:gradFill>
+                <a:gsLst>
+                  <a:gs pos="0">
+                    <a:srgbClr val="FFFFFF"/>
+                  </a:gs>
+                  <a:gs pos="100000">
+                    <a:srgbClr val="FFFFFF"/>
+                  </a:gs>
+                </a:gsLst>
+                <a:lin ang="5400000" scaled="0"/>
+              </a:gradFill>
+              <a:ea typeface="Segoe UI" pitchFamily="34" charset="0"/>
+              <a:cs typeface="Segoe UI" pitchFamily="34" charset="0"/>
+            </a:endParaRPr>
+          </a:p>
+        </p:txBody>
+      </p:sp>
+      <p:sp>
+        <p:nvSpPr>
+          <p:cNvPr id="4" name="Rectangle 3">
+            <a:extLst>
+              <a:ext uri="{FF2B5EF4-FFF2-40B4-BE49-F238E27FC236}">
+                <a16:creationId xmlns:a16="http://schemas.microsoft.com/office/drawing/2014/main" id="{EDD00D19-4CAE-4205-90D9-076184518C14}"/>
+              </a:ext>
+            </a:extLst>
+          </p:cNvPr>
+          <p:cNvSpPr/>
+          <p:nvPr/>
+        </p:nvSpPr>
+        <p:spPr bwMode="auto">
+          <a:xfrm>
+            <a:off x="4300193" y="3429000"/>
+            <a:ext cx="2347275" cy="1140643"/>
+          </a:xfrm>
+          <a:prstGeom prst="rect">
+            <a:avLst/>
+          </a:prstGeom>
+          <a:solidFill>
+            <a:srgbClr val="00B050"/>
+          </a:solidFill>
+          <a:ln>
+            <a:noFill/>
+            <a:headEnd type="none" w="med" len="med"/>
+            <a:tailEnd type="none" w="med" len="med"/>
+          </a:ln>
+          <a:effectLst/>
+        </p:spPr>
+        <p:style>
+          <a:lnRef idx="1">
+            <a:schemeClr val="accent2"/>
+          </a:lnRef>
+          <a:fillRef idx="3">
+            <a:schemeClr val="accent2"/>
+          </a:fillRef>
+          <a:effectRef idx="2">
+            <a:schemeClr val="accent2"/>
+          </a:effectRef>
+          <a:fontRef idx="minor">
+            <a:schemeClr val="lt1"/>
+          </a:fontRef>
+        </p:style>
+        <p:txBody>
+          <a:bodyPr lIns="91440" tIns="91440" rIns="34294" bIns="34294" rtlCol="0" anchor="ctr" anchorCtr="0"/>
+          <a:lstStyle/>
+          <a:p>
+            <a:pPr algn="ctr" defTabSz="932406"/>
+            <a:r>
+              <a:rPr lang="es-ES" sz="2400" dirty="0" err="1">
+                <a:gradFill>
+                  <a:gsLst>
+                    <a:gs pos="0">
+                      <a:srgbClr val="FFFFFF"/>
+                    </a:gs>
+                    <a:gs pos="100000">
+                      <a:srgbClr val="FFFFFF"/>
+                    </a:gs>
+                  </a:gsLst>
+                  <a:lin ang="5400000" scaled="0"/>
+                </a:gradFill>
+                <a:ea typeface="Segoe UI" pitchFamily="34" charset="0"/>
+                <a:cs typeface="Segoe UI" pitchFamily="34" charset="0"/>
+              </a:rPr>
+              <a:t>Window</a:t>
+            </a:r>
+            <a:endParaRPr lang="en-US" sz="800" dirty="0">
+              <a:gradFill>
+                <a:gsLst>
+                  <a:gs pos="0">
+                    <a:srgbClr val="FFFFFF"/>
+                  </a:gs>
+                  <a:gs pos="100000">
+                    <a:srgbClr val="FFFFFF"/>
+                  </a:gs>
+                </a:gsLst>
+                <a:lin ang="5400000" scaled="0"/>
+              </a:gradFill>
+              <a:ea typeface="Segoe UI" pitchFamily="34" charset="0"/>
+              <a:cs typeface="Segoe UI" pitchFamily="34" charset="0"/>
+            </a:endParaRPr>
+          </a:p>
+        </p:txBody>
+      </p:sp>
+      <p:sp>
+        <p:nvSpPr>
+          <p:cNvPr id="5" name="Rectangle 4">
+            <a:extLst>
+              <a:ext uri="{FF2B5EF4-FFF2-40B4-BE49-F238E27FC236}">
+                <a16:creationId xmlns:a16="http://schemas.microsoft.com/office/drawing/2014/main" id="{B5879C25-4AC9-4D94-8E86-802E7381CD84}"/>
+              </a:ext>
+            </a:extLst>
+          </p:cNvPr>
+          <p:cNvSpPr/>
+          <p:nvPr/>
+        </p:nvSpPr>
+        <p:spPr bwMode="auto">
+          <a:xfrm>
+            <a:off x="7591719" y="1536569"/>
+            <a:ext cx="3465922" cy="4675695"/>
+          </a:xfrm>
+          <a:prstGeom prst="rect">
+            <a:avLst/>
+          </a:prstGeom>
+          <a:solidFill>
+            <a:srgbClr val="7030A0"/>
+          </a:solidFill>
+          <a:ln>
+            <a:noFill/>
+            <a:headEnd type="none" w="med" len="med"/>
+            <a:tailEnd type="none" w="med" len="med"/>
+          </a:ln>
+          <a:effectLst/>
+        </p:spPr>
+        <p:style>
+          <a:lnRef idx="1">
+            <a:schemeClr val="accent2"/>
+          </a:lnRef>
+          <a:fillRef idx="3">
+            <a:schemeClr val="accent2"/>
+          </a:fillRef>
+          <a:effectRef idx="2">
+            <a:schemeClr val="accent2"/>
+          </a:effectRef>
+          <a:fontRef idx="minor">
+            <a:schemeClr val="lt1"/>
+          </a:fontRef>
+        </p:style>
+        <p:txBody>
+          <a:bodyPr lIns="91440" tIns="91440" rIns="34294" bIns="34294" rtlCol="0" anchor="t" anchorCtr="0"/>
+          <a:lstStyle/>
+          <a:p>
+            <a:pPr algn="ctr" defTabSz="932406"/>
+            <a:r>
+              <a:rPr lang="es-ES" sz="2400" dirty="0">
+                <a:gradFill>
+                  <a:gsLst>
+                    <a:gs pos="0">
+                      <a:srgbClr val="FFFFFF"/>
+                    </a:gs>
+                    <a:gs pos="100000">
+                      <a:srgbClr val="FFFFFF"/>
+                    </a:gs>
+                  </a:gsLst>
+                  <a:lin ang="5400000" scaled="0"/>
+                </a:gradFill>
+                <a:ea typeface="Segoe UI" pitchFamily="34" charset="0"/>
+                <a:cs typeface="Segoe UI" pitchFamily="34" charset="0"/>
+              </a:rPr>
+              <a:t>Page (</a:t>
+            </a:r>
+            <a:r>
+              <a:rPr lang="es-ES" sz="2400" dirty="0" err="1">
+                <a:gradFill>
+                  <a:gsLst>
+                    <a:gs pos="0">
+                      <a:srgbClr val="FFFFFF"/>
+                    </a:gs>
+                    <a:gs pos="100000">
+                      <a:srgbClr val="FFFFFF"/>
+                    </a:gs>
+                  </a:gsLst>
+                  <a:lin ang="5400000" scaled="0"/>
+                </a:gradFill>
+                <a:ea typeface="Segoe UI" pitchFamily="34" charset="0"/>
+                <a:cs typeface="Segoe UI" pitchFamily="34" charset="0"/>
+              </a:rPr>
+              <a:t>ContentPage</a:t>
+            </a:r>
+            <a:r>
+              <a:rPr lang="es-ES" sz="2400" dirty="0">
+                <a:gradFill>
+                  <a:gsLst>
+                    <a:gs pos="0">
+                      <a:srgbClr val="FFFFFF"/>
+                    </a:gs>
+                    <a:gs pos="100000">
+                      <a:srgbClr val="FFFFFF"/>
+                    </a:gs>
+                  </a:gsLst>
+                  <a:lin ang="5400000" scaled="0"/>
+                </a:gradFill>
+                <a:ea typeface="Segoe UI" pitchFamily="34" charset="0"/>
+                <a:cs typeface="Segoe UI" pitchFamily="34" charset="0"/>
+              </a:rPr>
+              <a:t>)</a:t>
+            </a:r>
+            <a:endParaRPr lang="en-US" sz="2400" dirty="0">
+              <a:gradFill>
+                <a:gsLst>
+                  <a:gs pos="0">
+                    <a:srgbClr val="FFFFFF"/>
+                  </a:gs>
+                  <a:gs pos="100000">
+                    <a:srgbClr val="FFFFFF"/>
+                  </a:gs>
+                </a:gsLst>
+                <a:lin ang="5400000" scaled="0"/>
+              </a:gradFill>
+              <a:ea typeface="Segoe UI" pitchFamily="34" charset="0"/>
+              <a:cs typeface="Segoe UI" pitchFamily="34" charset="0"/>
+            </a:endParaRPr>
+          </a:p>
+        </p:txBody>
+      </p:sp>
+      <p:cxnSp>
+        <p:nvCxnSpPr>
+          <p:cNvPr id="7" name="Straight Arrow Connector 6">
+            <a:extLst>
+              <a:ext uri="{FF2B5EF4-FFF2-40B4-BE49-F238E27FC236}">
+                <a16:creationId xmlns:a16="http://schemas.microsoft.com/office/drawing/2014/main" id="{5755F04E-1C5F-4395-8921-9BAD5C2F5E17}"/>
+              </a:ext>
+            </a:extLst>
+          </p:cNvPr>
+          <p:cNvCxnSpPr>
+            <a:stCxn id="3" idx="3"/>
+            <a:endCxn id="4" idx="1"/>
+          </p:cNvCxnSpPr>
+          <p:nvPr/>
+        </p:nvCxnSpPr>
+        <p:spPr>
+          <a:xfrm>
+            <a:off x="3214540" y="3999322"/>
+            <a:ext cx="1085653" cy="0"/>
+          </a:xfrm>
+          <a:prstGeom prst="straightConnector1">
+            <a:avLst/>
+          </a:prstGeom>
+          <a:ln>
+            <a:solidFill>
+              <a:schemeClr val="tx1"/>
+            </a:solidFill>
+            <a:headEnd type="none"/>
+            <a:tailEnd type="triangle"/>
+          </a:ln>
+        </p:spPr>
+        <p:style>
+          <a:lnRef idx="1">
+            <a:schemeClr val="accent1"/>
+          </a:lnRef>
+          <a:fillRef idx="0">
+            <a:schemeClr val="accent1"/>
+          </a:fillRef>
+          <a:effectRef idx="0">
+            <a:schemeClr val="accent1"/>
+          </a:effectRef>
+          <a:fontRef idx="minor">
+            <a:schemeClr val="tx1"/>
+          </a:fontRef>
+        </p:style>
+      </p:cxnSp>
+      <p:cxnSp>
+        <p:nvCxnSpPr>
+          <p:cNvPr id="9" name="Straight Arrow Connector 8">
+            <a:extLst>
+              <a:ext uri="{FF2B5EF4-FFF2-40B4-BE49-F238E27FC236}">
+                <a16:creationId xmlns:a16="http://schemas.microsoft.com/office/drawing/2014/main" id="{B52ECBEB-F9E5-4199-955C-35ADB648FF91}"/>
+              </a:ext>
+            </a:extLst>
+          </p:cNvPr>
+          <p:cNvCxnSpPr>
+            <a:stCxn id="4" idx="3"/>
+          </p:cNvCxnSpPr>
+          <p:nvPr/>
+        </p:nvCxnSpPr>
+        <p:spPr>
+          <a:xfrm>
+            <a:off x="6647468" y="3999322"/>
+            <a:ext cx="944251" cy="0"/>
+          </a:xfrm>
+          <a:prstGeom prst="straightConnector1">
+            <a:avLst/>
+          </a:prstGeom>
+          <a:ln>
+            <a:solidFill>
+              <a:schemeClr val="tx1"/>
+            </a:solidFill>
+            <a:headEnd type="none"/>
+            <a:tailEnd type="triangle"/>
+          </a:ln>
+        </p:spPr>
+        <p:style>
+          <a:lnRef idx="1">
+            <a:schemeClr val="accent1"/>
+          </a:lnRef>
+          <a:fillRef idx="0">
+            <a:schemeClr val="accent1"/>
+          </a:fillRef>
+          <a:effectRef idx="0">
+            <a:schemeClr val="accent1"/>
+          </a:effectRef>
+          <a:fontRef idx="minor">
+            <a:schemeClr val="tx1"/>
+          </a:fontRef>
+        </p:style>
+      </p:cxnSp>
+      <p:sp>
+        <p:nvSpPr>
+          <p:cNvPr id="10" name="Rectangle 9">
+            <a:extLst>
+              <a:ext uri="{FF2B5EF4-FFF2-40B4-BE49-F238E27FC236}">
+                <a16:creationId xmlns:a16="http://schemas.microsoft.com/office/drawing/2014/main" id="{5F0ECE3F-953A-4827-A028-B5CC1C456491}"/>
+              </a:ext>
+            </a:extLst>
+          </p:cNvPr>
+          <p:cNvSpPr/>
+          <p:nvPr/>
+        </p:nvSpPr>
+        <p:spPr bwMode="auto">
+          <a:xfrm>
+            <a:off x="7821105" y="2127620"/>
+            <a:ext cx="3007149" cy="1140643"/>
+          </a:xfrm>
+          <a:prstGeom prst="rect">
+            <a:avLst/>
+          </a:prstGeom>
+          <a:solidFill>
+            <a:schemeClr val="accent3">
+              <a:lumMod val="90000"/>
+            </a:schemeClr>
+          </a:solidFill>
+          <a:ln>
+            <a:noFill/>
+            <a:headEnd type="none" w="med" len="med"/>
+            <a:tailEnd type="none" w="med" len="med"/>
+          </a:ln>
+          <a:effectLst/>
+        </p:spPr>
+        <p:style>
+          <a:lnRef idx="1">
+            <a:schemeClr val="accent2"/>
+          </a:lnRef>
+          <a:fillRef idx="3">
+            <a:schemeClr val="accent2"/>
+          </a:fillRef>
+          <a:effectRef idx="2">
+            <a:schemeClr val="accent2"/>
+          </a:effectRef>
+          <a:fontRef idx="minor">
+            <a:schemeClr val="lt1"/>
+          </a:fontRef>
+        </p:style>
+        <p:txBody>
+          <a:bodyPr lIns="91440" tIns="91440" rIns="34294" bIns="34294" rtlCol="0" anchor="ctr" anchorCtr="0"/>
+          <a:lstStyle/>
+          <a:p>
+            <a:pPr algn="ctr" defTabSz="932406"/>
+            <a:r>
+              <a:rPr lang="es-ES" sz="2400" dirty="0" err="1">
+                <a:gradFill>
+                  <a:gsLst>
+                    <a:gs pos="0">
+                      <a:srgbClr val="FFFFFF"/>
+                    </a:gs>
+                    <a:gs pos="100000">
+                      <a:srgbClr val="FFFFFF"/>
+                    </a:gs>
+                  </a:gsLst>
+                  <a:lin ang="5400000" scaled="0"/>
+                </a:gradFill>
+                <a:ea typeface="Segoe UI" pitchFamily="34" charset="0"/>
+                <a:cs typeface="Segoe UI" pitchFamily="34" charset="0"/>
+              </a:rPr>
+              <a:t>Layout</a:t>
+            </a:r>
+            <a:r>
+              <a:rPr lang="es-ES" sz="2400" dirty="0">
+                <a:gradFill>
+                  <a:gsLst>
+                    <a:gs pos="0">
+                      <a:srgbClr val="FFFFFF"/>
+                    </a:gs>
+                    <a:gs pos="100000">
+                      <a:srgbClr val="FFFFFF"/>
+                    </a:gs>
+                  </a:gsLst>
+                  <a:lin ang="5400000" scaled="0"/>
+                </a:gradFill>
+                <a:ea typeface="Segoe UI" pitchFamily="34" charset="0"/>
+                <a:cs typeface="Segoe UI" pitchFamily="34" charset="0"/>
+              </a:rPr>
+              <a:t> (</a:t>
+            </a:r>
+            <a:r>
+              <a:rPr lang="es-ES" sz="2400" dirty="0" err="1">
+                <a:gradFill>
+                  <a:gsLst>
+                    <a:gs pos="0">
+                      <a:srgbClr val="FFFFFF"/>
+                    </a:gs>
+                    <a:gs pos="100000">
+                      <a:srgbClr val="FFFFFF"/>
+                    </a:gs>
+                  </a:gsLst>
+                  <a:lin ang="5400000" scaled="0"/>
+                </a:gradFill>
+                <a:ea typeface="Segoe UI" pitchFamily="34" charset="0"/>
+                <a:cs typeface="Segoe UI" pitchFamily="34" charset="0"/>
+              </a:rPr>
+              <a:t>StackLayout</a:t>
+            </a:r>
+            <a:r>
+              <a:rPr lang="es-ES" sz="2400" dirty="0">
+                <a:gradFill>
+                  <a:gsLst>
+                    <a:gs pos="0">
+                      <a:srgbClr val="FFFFFF"/>
+                    </a:gs>
+                    <a:gs pos="100000">
+                      <a:srgbClr val="FFFFFF"/>
+                    </a:gs>
+                  </a:gsLst>
+                  <a:lin ang="5400000" scaled="0"/>
+                </a:gradFill>
+                <a:ea typeface="Segoe UI" pitchFamily="34" charset="0"/>
+                <a:cs typeface="Segoe UI" pitchFamily="34" charset="0"/>
+              </a:rPr>
+              <a:t>)</a:t>
+            </a:r>
+            <a:endParaRPr lang="en-US" sz="800" dirty="0">
+              <a:gradFill>
+                <a:gsLst>
+                  <a:gs pos="0">
+                    <a:srgbClr val="FFFFFF"/>
+                  </a:gs>
+                  <a:gs pos="100000">
+                    <a:srgbClr val="FFFFFF"/>
+                  </a:gs>
+                </a:gsLst>
+                <a:lin ang="5400000" scaled="0"/>
+              </a:gradFill>
+              <a:ea typeface="Segoe UI" pitchFamily="34" charset="0"/>
+              <a:cs typeface="Segoe UI" pitchFamily="34" charset="0"/>
+            </a:endParaRPr>
+          </a:p>
+        </p:txBody>
+      </p:sp>
+      <p:cxnSp>
+        <p:nvCxnSpPr>
+          <p:cNvPr id="18" name="Straight Connector 17">
+            <a:extLst>
+              <a:ext uri="{FF2B5EF4-FFF2-40B4-BE49-F238E27FC236}">
+                <a16:creationId xmlns:a16="http://schemas.microsoft.com/office/drawing/2014/main" id="{4DFC86A5-74FA-4F13-92FF-6A580CF496E8}"/>
+              </a:ext>
+            </a:extLst>
+          </p:cNvPr>
+          <p:cNvCxnSpPr>
+            <a:endCxn id="16" idx="2"/>
+          </p:cNvCxnSpPr>
+          <p:nvPr/>
+        </p:nvCxnSpPr>
+        <p:spPr>
+          <a:xfrm>
+            <a:off x="9324677" y="3268263"/>
+            <a:ext cx="1" cy="2843421"/>
+          </a:xfrm>
+          <a:prstGeom prst="line">
+            <a:avLst/>
+          </a:prstGeom>
+          <a:ln>
+            <a:headEnd type="none"/>
+            <a:tailEnd type="none"/>
+          </a:ln>
+        </p:spPr>
+        <p:style>
+          <a:lnRef idx="1">
+            <a:schemeClr val="accent3"/>
+          </a:lnRef>
+          <a:fillRef idx="0">
+            <a:schemeClr val="accent3"/>
+          </a:fillRef>
+          <a:effectRef idx="0">
+            <a:schemeClr val="accent3"/>
+          </a:effectRef>
+          <a:fontRef idx="minor">
+            <a:schemeClr val="tx1"/>
+          </a:fontRef>
+        </p:style>
+      </p:cxnSp>
+      <p:sp>
+        <p:nvSpPr>
+          <p:cNvPr id="12" name="Rectangle 11">
+            <a:extLst>
+              <a:ext uri="{FF2B5EF4-FFF2-40B4-BE49-F238E27FC236}">
+                <a16:creationId xmlns:a16="http://schemas.microsoft.com/office/drawing/2014/main" id="{0365ECF7-01F0-4EA6-B9C4-806FCA78B45D}"/>
+              </a:ext>
+            </a:extLst>
+          </p:cNvPr>
+          <p:cNvSpPr/>
+          <p:nvPr/>
+        </p:nvSpPr>
+        <p:spPr bwMode="auto">
+          <a:xfrm>
+            <a:off x="7821105" y="3429001"/>
+            <a:ext cx="3007149" cy="430314"/>
+          </a:xfrm>
+          <a:prstGeom prst="rect">
+            <a:avLst/>
+          </a:prstGeom>
+          <a:solidFill>
+            <a:schemeClr val="accent3">
+              <a:lumMod val="90000"/>
+            </a:schemeClr>
+          </a:solidFill>
+          <a:ln>
+            <a:noFill/>
+            <a:headEnd type="none" w="med" len="med"/>
+            <a:tailEnd type="none" w="med" len="med"/>
+          </a:ln>
+          <a:effectLst/>
+        </p:spPr>
+        <p:style>
+          <a:lnRef idx="1">
+            <a:schemeClr val="accent2"/>
+          </a:lnRef>
+          <a:fillRef idx="3">
+            <a:schemeClr val="accent2"/>
+          </a:fillRef>
+          <a:effectRef idx="2">
+            <a:schemeClr val="accent2"/>
+          </a:effectRef>
+          <a:fontRef idx="minor">
+            <a:schemeClr val="lt1"/>
+          </a:fontRef>
+        </p:style>
+        <p:txBody>
+          <a:bodyPr lIns="91440" tIns="91440" rIns="34294" bIns="34294" rtlCol="0" anchor="ctr" anchorCtr="0"/>
+          <a:lstStyle/>
+          <a:p>
+            <a:pPr algn="ctr" defTabSz="932406"/>
+            <a:r>
+              <a:rPr lang="es-ES" sz="2400" dirty="0" err="1">
+                <a:gradFill>
+                  <a:gsLst>
+                    <a:gs pos="0">
+                      <a:srgbClr val="FFFFFF"/>
+                    </a:gs>
+                    <a:gs pos="100000">
+                      <a:srgbClr val="FFFFFF"/>
+                    </a:gs>
+                  </a:gsLst>
+                  <a:lin ang="5400000" scaled="0"/>
+                </a:gradFill>
+                <a:ea typeface="Segoe UI" pitchFamily="34" charset="0"/>
+                <a:cs typeface="Segoe UI" pitchFamily="34" charset="0"/>
+              </a:rPr>
+              <a:t>Label</a:t>
+            </a:r>
+            <a:endParaRPr lang="en-US" sz="800" dirty="0">
+              <a:gradFill>
+                <a:gsLst>
+                  <a:gs pos="0">
+                    <a:srgbClr val="FFFFFF"/>
+                  </a:gs>
+                  <a:gs pos="100000">
+                    <a:srgbClr val="FFFFFF"/>
+                  </a:gs>
+                </a:gsLst>
+                <a:lin ang="5400000" scaled="0"/>
+              </a:gradFill>
+              <a:ea typeface="Segoe UI" pitchFamily="34" charset="0"/>
+              <a:cs typeface="Segoe UI" pitchFamily="34" charset="0"/>
+            </a:endParaRPr>
+          </a:p>
+        </p:txBody>
+      </p:sp>
+      <p:sp>
+        <p:nvSpPr>
+          <p:cNvPr id="13" name="Rectangle 12">
+            <a:extLst>
+              <a:ext uri="{FF2B5EF4-FFF2-40B4-BE49-F238E27FC236}">
+                <a16:creationId xmlns:a16="http://schemas.microsoft.com/office/drawing/2014/main" id="{56FA6219-06F7-42A6-97C4-08F1EEF6C5DC}"/>
+              </a:ext>
+            </a:extLst>
+          </p:cNvPr>
+          <p:cNvSpPr/>
+          <p:nvPr/>
+        </p:nvSpPr>
+        <p:spPr bwMode="auto">
+          <a:xfrm>
+            <a:off x="7821104" y="3991551"/>
+            <a:ext cx="3007149" cy="430314"/>
+          </a:xfrm>
+          <a:prstGeom prst="rect">
+            <a:avLst/>
+          </a:prstGeom>
+          <a:solidFill>
+            <a:schemeClr val="accent3">
+              <a:lumMod val="90000"/>
+            </a:schemeClr>
+          </a:solidFill>
+          <a:ln>
+            <a:noFill/>
+            <a:headEnd type="none" w="med" len="med"/>
+            <a:tailEnd type="none" w="med" len="med"/>
+          </a:ln>
+          <a:effectLst/>
+        </p:spPr>
+        <p:style>
+          <a:lnRef idx="1">
+            <a:schemeClr val="accent2"/>
+          </a:lnRef>
+          <a:fillRef idx="3">
+            <a:schemeClr val="accent2"/>
+          </a:fillRef>
+          <a:effectRef idx="2">
+            <a:schemeClr val="accent2"/>
+          </a:effectRef>
+          <a:fontRef idx="minor">
+            <a:schemeClr val="lt1"/>
+          </a:fontRef>
+        </p:style>
+        <p:txBody>
+          <a:bodyPr lIns="91440" tIns="91440" rIns="34294" bIns="34294" rtlCol="0" anchor="ctr" anchorCtr="0"/>
+          <a:lstStyle/>
+          <a:p>
+            <a:pPr algn="ctr" defTabSz="932406"/>
+            <a:r>
+              <a:rPr lang="es-ES" sz="2400" dirty="0" err="1">
+                <a:gradFill>
+                  <a:gsLst>
+                    <a:gs pos="0">
+                      <a:srgbClr val="FFFFFF"/>
+                    </a:gs>
+                    <a:gs pos="100000">
+                      <a:srgbClr val="FFFFFF"/>
+                    </a:gs>
+                  </a:gsLst>
+                  <a:lin ang="5400000" scaled="0"/>
+                </a:gradFill>
+                <a:ea typeface="Segoe UI" pitchFamily="34" charset="0"/>
+                <a:cs typeface="Segoe UI" pitchFamily="34" charset="0"/>
+              </a:rPr>
+              <a:t>Entry</a:t>
+            </a:r>
+            <a:endParaRPr lang="en-US" sz="800" dirty="0">
+              <a:gradFill>
+                <a:gsLst>
+                  <a:gs pos="0">
+                    <a:srgbClr val="FFFFFF"/>
+                  </a:gs>
+                  <a:gs pos="100000">
+                    <a:srgbClr val="FFFFFF"/>
+                  </a:gs>
+                </a:gsLst>
+                <a:lin ang="5400000" scaled="0"/>
+              </a:gradFill>
+              <a:ea typeface="Segoe UI" pitchFamily="34" charset="0"/>
+              <a:cs typeface="Segoe UI" pitchFamily="34" charset="0"/>
+            </a:endParaRPr>
+          </a:p>
+        </p:txBody>
+      </p:sp>
+      <p:sp>
+        <p:nvSpPr>
+          <p:cNvPr id="14" name="Rectangle 13">
+            <a:extLst>
+              <a:ext uri="{FF2B5EF4-FFF2-40B4-BE49-F238E27FC236}">
+                <a16:creationId xmlns:a16="http://schemas.microsoft.com/office/drawing/2014/main" id="{FB32A93A-B673-4637-AD15-755EBE6B4501}"/>
+              </a:ext>
+            </a:extLst>
+          </p:cNvPr>
+          <p:cNvSpPr/>
+          <p:nvPr/>
+        </p:nvSpPr>
+        <p:spPr bwMode="auto">
+          <a:xfrm>
+            <a:off x="7821105" y="4587926"/>
+            <a:ext cx="3007149" cy="430314"/>
+          </a:xfrm>
+          <a:prstGeom prst="rect">
+            <a:avLst/>
+          </a:prstGeom>
+          <a:solidFill>
+            <a:schemeClr val="accent3">
+              <a:lumMod val="90000"/>
+            </a:schemeClr>
+          </a:solidFill>
+          <a:ln>
+            <a:noFill/>
+            <a:headEnd type="none" w="med" len="med"/>
+            <a:tailEnd type="none" w="med" len="med"/>
+          </a:ln>
+          <a:effectLst/>
+        </p:spPr>
+        <p:style>
+          <a:lnRef idx="1">
+            <a:schemeClr val="accent2"/>
+          </a:lnRef>
+          <a:fillRef idx="3">
+            <a:schemeClr val="accent2"/>
+          </a:fillRef>
+          <a:effectRef idx="2">
+            <a:schemeClr val="accent2"/>
+          </a:effectRef>
+          <a:fontRef idx="minor">
+            <a:schemeClr val="lt1"/>
+          </a:fontRef>
+        </p:style>
+        <p:txBody>
+          <a:bodyPr lIns="91440" tIns="91440" rIns="34294" bIns="34294" rtlCol="0" anchor="ctr" anchorCtr="0"/>
+          <a:lstStyle/>
+          <a:p>
+            <a:pPr algn="ctr" defTabSz="932406"/>
+            <a:r>
+              <a:rPr lang="es-ES" sz="2400" dirty="0" err="1">
+                <a:gradFill>
+                  <a:gsLst>
+                    <a:gs pos="0">
+                      <a:srgbClr val="FFFFFF"/>
+                    </a:gs>
+                    <a:gs pos="100000">
+                      <a:srgbClr val="FFFFFF"/>
+                    </a:gs>
+                  </a:gsLst>
+                  <a:lin ang="5400000" scaled="0"/>
+                </a:gradFill>
+                <a:ea typeface="Segoe UI" pitchFamily="34" charset="0"/>
+                <a:cs typeface="Segoe UI" pitchFamily="34" charset="0"/>
+              </a:rPr>
+              <a:t>Label</a:t>
+            </a:r>
+            <a:endParaRPr lang="en-US" sz="800" dirty="0">
+              <a:gradFill>
+                <a:gsLst>
+                  <a:gs pos="0">
+                    <a:srgbClr val="FFFFFF"/>
+                  </a:gs>
+                  <a:gs pos="100000">
+                    <a:srgbClr val="FFFFFF"/>
+                  </a:gs>
+                </a:gsLst>
+                <a:lin ang="5400000" scaled="0"/>
+              </a:gradFill>
+              <a:ea typeface="Segoe UI" pitchFamily="34" charset="0"/>
+              <a:cs typeface="Segoe UI" pitchFamily="34" charset="0"/>
+            </a:endParaRPr>
+          </a:p>
+        </p:txBody>
+      </p:sp>
+      <p:sp>
+        <p:nvSpPr>
+          <p:cNvPr id="15" name="Rectangle 14">
+            <a:extLst>
+              <a:ext uri="{FF2B5EF4-FFF2-40B4-BE49-F238E27FC236}">
+                <a16:creationId xmlns:a16="http://schemas.microsoft.com/office/drawing/2014/main" id="{42C4DD8C-A77B-4B18-A6F2-78FE76591BA4}"/>
+              </a:ext>
+            </a:extLst>
+          </p:cNvPr>
+          <p:cNvSpPr/>
+          <p:nvPr/>
+        </p:nvSpPr>
+        <p:spPr bwMode="auto">
+          <a:xfrm>
+            <a:off x="7821105" y="5150476"/>
+            <a:ext cx="3007149" cy="430314"/>
+          </a:xfrm>
+          <a:prstGeom prst="rect">
+            <a:avLst/>
+          </a:prstGeom>
+          <a:solidFill>
+            <a:schemeClr val="accent3">
+              <a:lumMod val="90000"/>
+            </a:schemeClr>
+          </a:solidFill>
+          <a:ln>
+            <a:noFill/>
+            <a:headEnd type="none" w="med" len="med"/>
+            <a:tailEnd type="none" w="med" len="med"/>
+          </a:ln>
+          <a:effectLst/>
+        </p:spPr>
+        <p:style>
+          <a:lnRef idx="1">
+            <a:schemeClr val="accent2"/>
+          </a:lnRef>
+          <a:fillRef idx="3">
+            <a:schemeClr val="accent2"/>
+          </a:fillRef>
+          <a:effectRef idx="2">
+            <a:schemeClr val="accent2"/>
+          </a:effectRef>
+          <a:fontRef idx="minor">
+            <a:schemeClr val="lt1"/>
+          </a:fontRef>
+        </p:style>
+        <p:txBody>
+          <a:bodyPr lIns="91440" tIns="91440" rIns="34294" bIns="34294" rtlCol="0" anchor="ctr" anchorCtr="0"/>
+          <a:lstStyle/>
+          <a:p>
+            <a:pPr algn="ctr" defTabSz="932406"/>
+            <a:r>
+              <a:rPr lang="es-ES" sz="2400" dirty="0" err="1">
+                <a:gradFill>
+                  <a:gsLst>
+                    <a:gs pos="0">
+                      <a:srgbClr val="FFFFFF"/>
+                    </a:gs>
+                    <a:gs pos="100000">
+                      <a:srgbClr val="FFFFFF"/>
+                    </a:gs>
+                  </a:gsLst>
+                  <a:lin ang="5400000" scaled="0"/>
+                </a:gradFill>
+                <a:ea typeface="Segoe UI" pitchFamily="34" charset="0"/>
+                <a:cs typeface="Segoe UI" pitchFamily="34" charset="0"/>
+              </a:rPr>
+              <a:t>Entry</a:t>
+            </a:r>
+            <a:endParaRPr lang="en-US" sz="800" dirty="0">
+              <a:gradFill>
+                <a:gsLst>
+                  <a:gs pos="0">
+                    <a:srgbClr val="FFFFFF"/>
+                  </a:gs>
+                  <a:gs pos="100000">
+                    <a:srgbClr val="FFFFFF"/>
+                  </a:gs>
+                </a:gsLst>
+                <a:lin ang="5400000" scaled="0"/>
+              </a:gradFill>
+              <a:ea typeface="Segoe UI" pitchFamily="34" charset="0"/>
+              <a:cs typeface="Segoe UI" pitchFamily="34" charset="0"/>
+            </a:endParaRPr>
+          </a:p>
+        </p:txBody>
+      </p:sp>
+      <p:sp>
+        <p:nvSpPr>
+          <p:cNvPr id="16" name="Rectangle 15">
+            <a:extLst>
+              <a:ext uri="{FF2B5EF4-FFF2-40B4-BE49-F238E27FC236}">
+                <a16:creationId xmlns:a16="http://schemas.microsoft.com/office/drawing/2014/main" id="{2AD6937A-865B-4EEA-9DB8-A5BDA4D00AA2}"/>
+              </a:ext>
+            </a:extLst>
+          </p:cNvPr>
+          <p:cNvSpPr/>
+          <p:nvPr/>
+        </p:nvSpPr>
+        <p:spPr bwMode="auto">
+          <a:xfrm>
+            <a:off x="7821103" y="5681370"/>
+            <a:ext cx="3007149" cy="430314"/>
+          </a:xfrm>
+          <a:prstGeom prst="rect">
+            <a:avLst/>
+          </a:prstGeom>
+          <a:solidFill>
+            <a:schemeClr val="accent3">
+              <a:lumMod val="90000"/>
+            </a:schemeClr>
+          </a:solidFill>
+          <a:ln>
+            <a:noFill/>
+            <a:headEnd type="none" w="med" len="med"/>
+            <a:tailEnd type="none" w="med" len="med"/>
+          </a:ln>
+          <a:effectLst/>
+        </p:spPr>
+        <p:style>
+          <a:lnRef idx="1">
+            <a:schemeClr val="accent2"/>
+          </a:lnRef>
+          <a:fillRef idx="3">
+            <a:schemeClr val="accent2"/>
+          </a:fillRef>
+          <a:effectRef idx="2">
+            <a:schemeClr val="accent2"/>
+          </a:effectRef>
+          <a:fontRef idx="minor">
+            <a:schemeClr val="lt1"/>
+          </a:fontRef>
+        </p:style>
+        <p:txBody>
+          <a:bodyPr lIns="91440" tIns="91440" rIns="34294" bIns="34294" rtlCol="0" anchor="ctr" anchorCtr="0"/>
+          <a:lstStyle/>
+          <a:p>
+            <a:pPr algn="ctr" defTabSz="932406"/>
+            <a:r>
+              <a:rPr lang="es-ES" sz="2400" dirty="0" err="1">
+                <a:gradFill>
+                  <a:gsLst>
+                    <a:gs pos="0">
+                      <a:srgbClr val="FFFFFF"/>
+                    </a:gs>
+                    <a:gs pos="100000">
+                      <a:srgbClr val="FFFFFF"/>
+                    </a:gs>
+                  </a:gsLst>
+                  <a:lin ang="5400000" scaled="0"/>
+                </a:gradFill>
+                <a:ea typeface="Segoe UI" pitchFamily="34" charset="0"/>
+                <a:cs typeface="Segoe UI" pitchFamily="34" charset="0"/>
+              </a:rPr>
+              <a:t>Button</a:t>
+            </a:r>
+            <a:endParaRPr lang="en-US" sz="800" dirty="0">
+              <a:gradFill>
+                <a:gsLst>
+                  <a:gs pos="0">
+                    <a:srgbClr val="FFFFFF"/>
+                  </a:gs>
+                  <a:gs pos="100000">
+                    <a:srgbClr val="FFFFFF"/>
+                  </a:gs>
+                </a:gsLst>
+                <a:lin ang="5400000" scaled="0"/>
+              </a:gradFill>
+              <a:ea typeface="Segoe UI" pitchFamily="34" charset="0"/>
+              <a:cs typeface="Segoe UI" pitchFamily="34" charset="0"/>
+            </a:endParaRPr>
+          </a:p>
+        </p:txBody>
+      </p:sp>
+    </p:spTree>
+    <p:extLst>
+      <p:ext uri="{BB962C8B-B14F-4D97-AF65-F5344CB8AC3E}">
+        <p14:creationId xmlns:p14="http://schemas.microsoft.com/office/powerpoint/2010/main" val="1209895024"/>
+      </p:ext>
+    </p:extLst>
+  </p:cSld>
+  <p:clrMapOvr>
+    <a:masterClrMapping/>
+  </p:clrMapOvr>
+  <p:transition>
+    <p:fade/>
+  </p:transition>
+</p:sld>
+</file>
+
+<file path=ppt/slides/slide5.xml><?xml version="1.0" encoding="utf-8"?>
+<p:sld xmlns:a="http://schemas.openxmlformats.org/drawingml/2006/main" xmlns:r="http://schemas.openxmlformats.org/officeDocument/2006/relationships" xmlns:p="http://schemas.openxmlformats.org/presentationml/2006/main">
+  <p:cSld>
+    <p:spTree>
+      <p:nvGrpSpPr>
+        <p:cNvPr id="1" name=""/>
+        <p:cNvGrpSpPr/>
+        <p:nvPr/>
+      </p:nvGrpSpPr>
+      <p:grpSpPr>
+        <a:xfrm>
+          <a:off x="0" y="0"/>
+          <a:ext cx="0" cy="0"/>
+          <a:chOff x="0" y="0"/>
+          <a:chExt cx="0" cy="0"/>
+        </a:xfrm>
+      </p:grpSpPr>
+      <p:sp>
+        <p:nvSpPr>
+          <p:cNvPr id="2" name="Title 1">
+            <a:extLst>
+              <a:ext uri="{FF2B5EF4-FFF2-40B4-BE49-F238E27FC236}">
+                <a16:creationId xmlns:a16="http://schemas.microsoft.com/office/drawing/2014/main" id="{F534C3C2-6CB9-4C3D-9297-16DF0B789696}"/>
+              </a:ext>
+            </a:extLst>
+          </p:cNvPr>
+          <p:cNvSpPr>
+            <a:spLocks noGrp="1"/>
+          </p:cNvSpPr>
+          <p:nvPr>
+            <p:ph type="title"/>
+          </p:nvPr>
+        </p:nvSpPr>
+        <p:spPr/>
+        <p:txBody>
+          <a:bodyPr/>
+          <a:lstStyle/>
+          <a:p>
+            <a:r>
+              <a:rPr lang="es-ES" dirty="0"/>
+              <a:t>Crear Apps</a:t>
+            </a:r>
+            <a:endParaRPr lang="en-US" dirty="0"/>
+          </a:p>
+        </p:txBody>
+      </p:sp>
+      <p:sp>
+        <p:nvSpPr>
+          <p:cNvPr id="4" name="Rectangle 3">
+            <a:extLst>
+              <a:ext uri="{FF2B5EF4-FFF2-40B4-BE49-F238E27FC236}">
+                <a16:creationId xmlns:a16="http://schemas.microsoft.com/office/drawing/2014/main" id="{35135C9F-194E-40DD-ADE7-37450C0B1A8A}"/>
+              </a:ext>
+            </a:extLst>
+          </p:cNvPr>
+          <p:cNvSpPr/>
+          <p:nvPr/>
+        </p:nvSpPr>
+        <p:spPr bwMode="auto">
+          <a:xfrm>
+            <a:off x="457775" y="1602558"/>
+            <a:ext cx="3465922" cy="4675695"/>
+          </a:xfrm>
+          <a:prstGeom prst="rect">
+            <a:avLst/>
+          </a:prstGeom>
+          <a:solidFill>
+            <a:srgbClr val="7030A0"/>
+          </a:solidFill>
+          <a:ln>
+            <a:noFill/>
+            <a:headEnd type="none" w="med" len="med"/>
+            <a:tailEnd type="none" w="med" len="med"/>
+          </a:ln>
+          <a:effectLst/>
+        </p:spPr>
+        <p:style>
+          <a:lnRef idx="1">
+            <a:schemeClr val="accent2"/>
+          </a:lnRef>
+          <a:fillRef idx="3">
+            <a:schemeClr val="accent2"/>
+          </a:fillRef>
+          <a:effectRef idx="2">
+            <a:schemeClr val="accent2"/>
+          </a:effectRef>
+          <a:fontRef idx="minor">
+            <a:schemeClr val="lt1"/>
+          </a:fontRef>
+        </p:style>
+        <p:txBody>
+          <a:bodyPr lIns="91440" tIns="91440" rIns="34294" bIns="34294" rtlCol="0" anchor="t" anchorCtr="0"/>
+          <a:lstStyle/>
+          <a:p>
+            <a:pPr algn="ctr" defTabSz="932406"/>
+            <a:r>
+              <a:rPr lang="es-ES" sz="2400" dirty="0">
+                <a:gradFill>
+                  <a:gsLst>
+                    <a:gs pos="0">
+                      <a:srgbClr val="FFFFFF"/>
+                    </a:gs>
+                    <a:gs pos="100000">
+                      <a:srgbClr val="FFFFFF"/>
+                    </a:gs>
+                  </a:gsLst>
+                  <a:lin ang="5400000" scaled="0"/>
+                </a:gradFill>
+                <a:ea typeface="Segoe UI" pitchFamily="34" charset="0"/>
+                <a:cs typeface="Segoe UI" pitchFamily="34" charset="0"/>
+              </a:rPr>
+              <a:t>Page (</a:t>
+            </a:r>
+            <a:r>
+              <a:rPr lang="es-ES" sz="2400" dirty="0" err="1">
+                <a:gradFill>
+                  <a:gsLst>
+                    <a:gs pos="0">
+                      <a:srgbClr val="FFFFFF"/>
+                    </a:gs>
+                    <a:gs pos="100000">
+                      <a:srgbClr val="FFFFFF"/>
+                    </a:gs>
+                  </a:gsLst>
+                  <a:lin ang="5400000" scaled="0"/>
+                </a:gradFill>
+                <a:ea typeface="Segoe UI" pitchFamily="34" charset="0"/>
+                <a:cs typeface="Segoe UI" pitchFamily="34" charset="0"/>
+              </a:rPr>
+              <a:t>ContentPage</a:t>
+            </a:r>
+            <a:r>
+              <a:rPr lang="es-ES" sz="2400" dirty="0">
+                <a:gradFill>
+                  <a:gsLst>
+                    <a:gs pos="0">
+                      <a:srgbClr val="FFFFFF"/>
+                    </a:gs>
+                    <a:gs pos="100000">
+                      <a:srgbClr val="FFFFFF"/>
+                    </a:gs>
+                  </a:gsLst>
+                  <a:lin ang="5400000" scaled="0"/>
+                </a:gradFill>
+                <a:ea typeface="Segoe UI" pitchFamily="34" charset="0"/>
+                <a:cs typeface="Segoe UI" pitchFamily="34" charset="0"/>
+              </a:rPr>
+              <a:t>)</a:t>
+            </a:r>
+            <a:endParaRPr lang="en-US" sz="2400" dirty="0">
+              <a:gradFill>
+                <a:gsLst>
+                  <a:gs pos="0">
+                    <a:srgbClr val="FFFFFF"/>
+                  </a:gs>
+                  <a:gs pos="100000">
+                    <a:srgbClr val="FFFFFF"/>
+                  </a:gs>
+                </a:gsLst>
+                <a:lin ang="5400000" scaled="0"/>
+              </a:gradFill>
+              <a:ea typeface="Segoe UI" pitchFamily="34" charset="0"/>
+              <a:cs typeface="Segoe UI" pitchFamily="34" charset="0"/>
+            </a:endParaRPr>
+          </a:p>
+        </p:txBody>
+      </p:sp>
+      <p:sp>
+        <p:nvSpPr>
+          <p:cNvPr id="5" name="Rectangle 4">
+            <a:extLst>
+              <a:ext uri="{FF2B5EF4-FFF2-40B4-BE49-F238E27FC236}">
+                <a16:creationId xmlns:a16="http://schemas.microsoft.com/office/drawing/2014/main" id="{469EC908-52F7-409C-ADC6-2A855D1A8F9F}"/>
+              </a:ext>
+            </a:extLst>
+          </p:cNvPr>
+          <p:cNvSpPr/>
+          <p:nvPr/>
+        </p:nvSpPr>
+        <p:spPr bwMode="auto">
+          <a:xfrm>
+            <a:off x="687161" y="2193609"/>
+            <a:ext cx="3007149" cy="1140643"/>
+          </a:xfrm>
+          <a:prstGeom prst="rect">
+            <a:avLst/>
+          </a:prstGeom>
+          <a:solidFill>
+            <a:schemeClr val="accent3">
+              <a:lumMod val="90000"/>
+            </a:schemeClr>
+          </a:solidFill>
+          <a:ln>
+            <a:noFill/>
+            <a:headEnd type="none" w="med" len="med"/>
+            <a:tailEnd type="none" w="med" len="med"/>
+          </a:ln>
+          <a:effectLst/>
+        </p:spPr>
+        <p:style>
+          <a:lnRef idx="1">
+            <a:schemeClr val="accent2"/>
+          </a:lnRef>
+          <a:fillRef idx="3">
+            <a:schemeClr val="accent2"/>
+          </a:fillRef>
+          <a:effectRef idx="2">
+            <a:schemeClr val="accent2"/>
+          </a:effectRef>
+          <a:fontRef idx="minor">
+            <a:schemeClr val="lt1"/>
+          </a:fontRef>
+        </p:style>
+        <p:txBody>
+          <a:bodyPr lIns="91440" tIns="91440" rIns="34294" bIns="34294" rtlCol="0" anchor="ctr" anchorCtr="0"/>
+          <a:lstStyle/>
+          <a:p>
+            <a:pPr algn="ctr" defTabSz="932406"/>
+            <a:r>
+              <a:rPr lang="es-ES" sz="2400" dirty="0" err="1">
+                <a:gradFill>
+                  <a:gsLst>
+                    <a:gs pos="0">
+                      <a:srgbClr val="FFFFFF"/>
+                    </a:gs>
+                    <a:gs pos="100000">
+                      <a:srgbClr val="FFFFFF"/>
+                    </a:gs>
+                  </a:gsLst>
+                  <a:lin ang="5400000" scaled="0"/>
+                </a:gradFill>
+                <a:ea typeface="Segoe UI" pitchFamily="34" charset="0"/>
+                <a:cs typeface="Segoe UI" pitchFamily="34" charset="0"/>
+              </a:rPr>
+              <a:t>Layout</a:t>
+            </a:r>
+            <a:r>
+              <a:rPr lang="es-ES" sz="2400" dirty="0">
+                <a:gradFill>
+                  <a:gsLst>
+                    <a:gs pos="0">
+                      <a:srgbClr val="FFFFFF"/>
+                    </a:gs>
+                    <a:gs pos="100000">
+                      <a:srgbClr val="FFFFFF"/>
+                    </a:gs>
+                  </a:gsLst>
+                  <a:lin ang="5400000" scaled="0"/>
+                </a:gradFill>
+                <a:ea typeface="Segoe UI" pitchFamily="34" charset="0"/>
+                <a:cs typeface="Segoe UI" pitchFamily="34" charset="0"/>
+              </a:rPr>
+              <a:t> (</a:t>
+            </a:r>
+            <a:r>
+              <a:rPr lang="es-ES" sz="2400" dirty="0" err="1">
+                <a:gradFill>
+                  <a:gsLst>
+                    <a:gs pos="0">
+                      <a:srgbClr val="FFFFFF"/>
+                    </a:gs>
+                    <a:gs pos="100000">
+                      <a:srgbClr val="FFFFFF"/>
+                    </a:gs>
+                  </a:gsLst>
+                  <a:lin ang="5400000" scaled="0"/>
+                </a:gradFill>
+                <a:ea typeface="Segoe UI" pitchFamily="34" charset="0"/>
+                <a:cs typeface="Segoe UI" pitchFamily="34" charset="0"/>
+              </a:rPr>
+              <a:t>StackLayout</a:t>
+            </a:r>
+            <a:r>
+              <a:rPr lang="es-ES" sz="2400" dirty="0">
+                <a:gradFill>
+                  <a:gsLst>
+                    <a:gs pos="0">
+                      <a:srgbClr val="FFFFFF"/>
+                    </a:gs>
+                    <a:gs pos="100000">
+                      <a:srgbClr val="FFFFFF"/>
+                    </a:gs>
+                  </a:gsLst>
+                  <a:lin ang="5400000" scaled="0"/>
+                </a:gradFill>
+                <a:ea typeface="Segoe UI" pitchFamily="34" charset="0"/>
+                <a:cs typeface="Segoe UI" pitchFamily="34" charset="0"/>
+              </a:rPr>
+              <a:t>)</a:t>
+            </a:r>
+            <a:endParaRPr lang="en-US" sz="800" dirty="0">
+              <a:gradFill>
+                <a:gsLst>
+                  <a:gs pos="0">
+                    <a:srgbClr val="FFFFFF"/>
+                  </a:gs>
+                  <a:gs pos="100000">
+                    <a:srgbClr val="FFFFFF"/>
+                  </a:gs>
+                </a:gsLst>
+                <a:lin ang="5400000" scaled="0"/>
+              </a:gradFill>
+              <a:ea typeface="Segoe UI" pitchFamily="34" charset="0"/>
+              <a:cs typeface="Segoe UI" pitchFamily="34" charset="0"/>
+            </a:endParaRPr>
+          </a:p>
+        </p:txBody>
+      </p:sp>
+      <p:cxnSp>
+        <p:nvCxnSpPr>
+          <p:cNvPr id="6" name="Straight Connector 5">
+            <a:extLst>
+              <a:ext uri="{FF2B5EF4-FFF2-40B4-BE49-F238E27FC236}">
+                <a16:creationId xmlns:a16="http://schemas.microsoft.com/office/drawing/2014/main" id="{3EF47B11-A6BD-43CE-9A6A-618A64E63F58}"/>
+              </a:ext>
+            </a:extLst>
+          </p:cNvPr>
+          <p:cNvCxnSpPr>
+            <a:endCxn id="11" idx="2"/>
+          </p:cNvCxnSpPr>
+          <p:nvPr/>
+        </p:nvCxnSpPr>
+        <p:spPr>
+          <a:xfrm>
+            <a:off x="2190733" y="3334252"/>
+            <a:ext cx="1" cy="2843421"/>
+          </a:xfrm>
+          <a:prstGeom prst="line">
+            <a:avLst/>
+          </a:prstGeom>
+          <a:ln>
+            <a:headEnd type="none"/>
+            <a:tailEnd type="none"/>
+          </a:ln>
+        </p:spPr>
+        <p:style>
+          <a:lnRef idx="1">
+            <a:schemeClr val="accent3"/>
+          </a:lnRef>
+          <a:fillRef idx="0">
+            <a:schemeClr val="accent3"/>
+          </a:fillRef>
+          <a:effectRef idx="0">
+            <a:schemeClr val="accent3"/>
+          </a:effectRef>
+          <a:fontRef idx="minor">
+            <a:schemeClr val="tx1"/>
+          </a:fontRef>
+        </p:style>
+      </p:cxnSp>
+      <p:sp>
+        <p:nvSpPr>
+          <p:cNvPr id="7" name="Rectangle 6">
+            <a:extLst>
+              <a:ext uri="{FF2B5EF4-FFF2-40B4-BE49-F238E27FC236}">
+                <a16:creationId xmlns:a16="http://schemas.microsoft.com/office/drawing/2014/main" id="{35DA1F06-A7F7-404A-9AE6-E453600ECEF2}"/>
+              </a:ext>
+            </a:extLst>
+          </p:cNvPr>
+          <p:cNvSpPr/>
+          <p:nvPr/>
+        </p:nvSpPr>
+        <p:spPr bwMode="auto">
+          <a:xfrm>
+            <a:off x="687161" y="3494990"/>
+            <a:ext cx="3007149" cy="430314"/>
+          </a:xfrm>
+          <a:prstGeom prst="rect">
+            <a:avLst/>
+          </a:prstGeom>
+          <a:solidFill>
+            <a:schemeClr val="accent3">
+              <a:lumMod val="90000"/>
+            </a:schemeClr>
+          </a:solidFill>
+          <a:ln>
+            <a:noFill/>
+            <a:headEnd type="none" w="med" len="med"/>
+            <a:tailEnd type="none" w="med" len="med"/>
+          </a:ln>
+          <a:effectLst/>
+        </p:spPr>
+        <p:style>
+          <a:lnRef idx="1">
+            <a:schemeClr val="accent2"/>
+          </a:lnRef>
+          <a:fillRef idx="3">
+            <a:schemeClr val="accent2"/>
+          </a:fillRef>
+          <a:effectRef idx="2">
+            <a:schemeClr val="accent2"/>
+          </a:effectRef>
+          <a:fontRef idx="minor">
+            <a:schemeClr val="lt1"/>
+          </a:fontRef>
+        </p:style>
+        <p:txBody>
+          <a:bodyPr lIns="91440" tIns="91440" rIns="34294" bIns="34294" rtlCol="0" anchor="ctr" anchorCtr="0"/>
+          <a:lstStyle/>
+          <a:p>
+            <a:pPr algn="ctr" defTabSz="932406"/>
+            <a:r>
+              <a:rPr lang="es-ES" sz="2400" dirty="0" err="1">
+                <a:gradFill>
+                  <a:gsLst>
+                    <a:gs pos="0">
+                      <a:srgbClr val="FFFFFF"/>
+                    </a:gs>
+                    <a:gs pos="100000">
+                      <a:srgbClr val="FFFFFF"/>
+                    </a:gs>
+                  </a:gsLst>
+                  <a:lin ang="5400000" scaled="0"/>
+                </a:gradFill>
+                <a:ea typeface="Segoe UI" pitchFamily="34" charset="0"/>
+                <a:cs typeface="Segoe UI" pitchFamily="34" charset="0"/>
+              </a:rPr>
+              <a:t>Label</a:t>
+            </a:r>
+            <a:endParaRPr lang="en-US" sz="800" dirty="0">
+              <a:gradFill>
+                <a:gsLst>
+                  <a:gs pos="0">
+                    <a:srgbClr val="FFFFFF"/>
+                  </a:gs>
+                  <a:gs pos="100000">
+                    <a:srgbClr val="FFFFFF"/>
+                  </a:gs>
+                </a:gsLst>
+                <a:lin ang="5400000" scaled="0"/>
+              </a:gradFill>
+              <a:ea typeface="Segoe UI" pitchFamily="34" charset="0"/>
+              <a:cs typeface="Segoe UI" pitchFamily="34" charset="0"/>
+            </a:endParaRPr>
+          </a:p>
+        </p:txBody>
+      </p:sp>
+      <p:sp>
+        <p:nvSpPr>
+          <p:cNvPr id="8" name="Rectangle 7">
+            <a:extLst>
+              <a:ext uri="{FF2B5EF4-FFF2-40B4-BE49-F238E27FC236}">
+                <a16:creationId xmlns:a16="http://schemas.microsoft.com/office/drawing/2014/main" id="{5159B3AB-B3BF-4A13-9942-3C07D43803E3}"/>
+              </a:ext>
+            </a:extLst>
+          </p:cNvPr>
+          <p:cNvSpPr/>
+          <p:nvPr/>
+        </p:nvSpPr>
+        <p:spPr bwMode="auto">
+          <a:xfrm>
+            <a:off x="687160" y="4057540"/>
+            <a:ext cx="3007149" cy="430314"/>
+          </a:xfrm>
+          <a:prstGeom prst="rect">
+            <a:avLst/>
+          </a:prstGeom>
+          <a:solidFill>
+            <a:schemeClr val="accent3">
+              <a:lumMod val="90000"/>
+            </a:schemeClr>
+          </a:solidFill>
+          <a:ln>
+            <a:noFill/>
+            <a:headEnd type="none" w="med" len="med"/>
+            <a:tailEnd type="none" w="med" len="med"/>
+          </a:ln>
+          <a:effectLst/>
+        </p:spPr>
+        <p:style>
+          <a:lnRef idx="1">
+            <a:schemeClr val="accent2"/>
+          </a:lnRef>
+          <a:fillRef idx="3">
+            <a:schemeClr val="accent2"/>
+          </a:fillRef>
+          <a:effectRef idx="2">
+            <a:schemeClr val="accent2"/>
+          </a:effectRef>
+          <a:fontRef idx="minor">
+            <a:schemeClr val="lt1"/>
+          </a:fontRef>
+        </p:style>
+        <p:txBody>
+          <a:bodyPr lIns="91440" tIns="91440" rIns="34294" bIns="34294" rtlCol="0" anchor="ctr" anchorCtr="0"/>
+          <a:lstStyle/>
+          <a:p>
+            <a:pPr algn="ctr" defTabSz="932406"/>
+            <a:r>
+              <a:rPr lang="es-ES" sz="2400" dirty="0" err="1">
+                <a:gradFill>
+                  <a:gsLst>
+                    <a:gs pos="0">
+                      <a:srgbClr val="FFFFFF"/>
+                    </a:gs>
+                    <a:gs pos="100000">
+                      <a:srgbClr val="FFFFFF"/>
+                    </a:gs>
+                  </a:gsLst>
+                  <a:lin ang="5400000" scaled="0"/>
+                </a:gradFill>
+                <a:ea typeface="Segoe UI" pitchFamily="34" charset="0"/>
+                <a:cs typeface="Segoe UI" pitchFamily="34" charset="0"/>
+              </a:rPr>
+              <a:t>Entry</a:t>
+            </a:r>
+            <a:endParaRPr lang="en-US" sz="800" dirty="0">
+              <a:gradFill>
+                <a:gsLst>
+                  <a:gs pos="0">
+                    <a:srgbClr val="FFFFFF"/>
+                  </a:gs>
+                  <a:gs pos="100000">
+                    <a:srgbClr val="FFFFFF"/>
+                  </a:gs>
+                </a:gsLst>
+                <a:lin ang="5400000" scaled="0"/>
+              </a:gradFill>
+              <a:ea typeface="Segoe UI" pitchFamily="34" charset="0"/>
+              <a:cs typeface="Segoe UI" pitchFamily="34" charset="0"/>
+            </a:endParaRPr>
+          </a:p>
+        </p:txBody>
+      </p:sp>
+      <p:sp>
+        <p:nvSpPr>
+          <p:cNvPr id="9" name="Rectangle 8">
+            <a:extLst>
+              <a:ext uri="{FF2B5EF4-FFF2-40B4-BE49-F238E27FC236}">
+                <a16:creationId xmlns:a16="http://schemas.microsoft.com/office/drawing/2014/main" id="{EFC936F0-FE1D-4DAE-A960-B972BB51DBF8}"/>
+              </a:ext>
+            </a:extLst>
+          </p:cNvPr>
+          <p:cNvSpPr/>
+          <p:nvPr/>
+        </p:nvSpPr>
+        <p:spPr bwMode="auto">
+          <a:xfrm>
+            <a:off x="687161" y="4653915"/>
+            <a:ext cx="3007149" cy="430314"/>
+          </a:xfrm>
+          <a:prstGeom prst="rect">
+            <a:avLst/>
+          </a:prstGeom>
+          <a:solidFill>
+            <a:schemeClr val="accent3">
+              <a:lumMod val="90000"/>
+            </a:schemeClr>
+          </a:solidFill>
+          <a:ln>
+            <a:noFill/>
+            <a:headEnd type="none" w="med" len="med"/>
+            <a:tailEnd type="none" w="med" len="med"/>
+          </a:ln>
+          <a:effectLst/>
+        </p:spPr>
+        <p:style>
+          <a:lnRef idx="1">
+            <a:schemeClr val="accent2"/>
+          </a:lnRef>
+          <a:fillRef idx="3">
+            <a:schemeClr val="accent2"/>
+          </a:fillRef>
+          <a:effectRef idx="2">
+            <a:schemeClr val="accent2"/>
+          </a:effectRef>
+          <a:fontRef idx="minor">
+            <a:schemeClr val="lt1"/>
+          </a:fontRef>
+        </p:style>
+        <p:txBody>
+          <a:bodyPr lIns="91440" tIns="91440" rIns="34294" bIns="34294" rtlCol="0" anchor="ctr" anchorCtr="0"/>
+          <a:lstStyle/>
+          <a:p>
+            <a:pPr algn="ctr" defTabSz="932406"/>
+            <a:r>
+              <a:rPr lang="es-ES" sz="2400" dirty="0" err="1">
+                <a:gradFill>
+                  <a:gsLst>
+                    <a:gs pos="0">
+                      <a:srgbClr val="FFFFFF"/>
+                    </a:gs>
+                    <a:gs pos="100000">
+                      <a:srgbClr val="FFFFFF"/>
+                    </a:gs>
+                  </a:gsLst>
+                  <a:lin ang="5400000" scaled="0"/>
+                </a:gradFill>
+                <a:ea typeface="Segoe UI" pitchFamily="34" charset="0"/>
+                <a:cs typeface="Segoe UI" pitchFamily="34" charset="0"/>
+              </a:rPr>
+              <a:t>Label</a:t>
+            </a:r>
+            <a:endParaRPr lang="en-US" sz="800" dirty="0">
+              <a:gradFill>
+                <a:gsLst>
+                  <a:gs pos="0">
+                    <a:srgbClr val="FFFFFF"/>
+                  </a:gs>
+                  <a:gs pos="100000">
+                    <a:srgbClr val="FFFFFF"/>
+                  </a:gs>
+                </a:gsLst>
+                <a:lin ang="5400000" scaled="0"/>
+              </a:gradFill>
+              <a:ea typeface="Segoe UI" pitchFamily="34" charset="0"/>
+              <a:cs typeface="Segoe UI" pitchFamily="34" charset="0"/>
+            </a:endParaRPr>
+          </a:p>
+        </p:txBody>
+      </p:sp>
+      <p:sp>
+        <p:nvSpPr>
+          <p:cNvPr id="10" name="Rectangle 9">
+            <a:extLst>
+              <a:ext uri="{FF2B5EF4-FFF2-40B4-BE49-F238E27FC236}">
+                <a16:creationId xmlns:a16="http://schemas.microsoft.com/office/drawing/2014/main" id="{5258064B-2A23-437B-A0DC-B3AC0F7EB989}"/>
+              </a:ext>
+            </a:extLst>
+          </p:cNvPr>
+          <p:cNvSpPr/>
+          <p:nvPr/>
+        </p:nvSpPr>
+        <p:spPr bwMode="auto">
+          <a:xfrm>
+            <a:off x="687161" y="5216465"/>
+            <a:ext cx="3007149" cy="430314"/>
+          </a:xfrm>
+          <a:prstGeom prst="rect">
+            <a:avLst/>
+          </a:prstGeom>
+          <a:solidFill>
+            <a:schemeClr val="accent3">
+              <a:lumMod val="90000"/>
+            </a:schemeClr>
+          </a:solidFill>
+          <a:ln>
+            <a:noFill/>
+            <a:headEnd type="none" w="med" len="med"/>
+            <a:tailEnd type="none" w="med" len="med"/>
+          </a:ln>
+          <a:effectLst/>
+        </p:spPr>
+        <p:style>
+          <a:lnRef idx="1">
+            <a:schemeClr val="accent2"/>
+          </a:lnRef>
+          <a:fillRef idx="3">
+            <a:schemeClr val="accent2"/>
+          </a:fillRef>
+          <a:effectRef idx="2">
+            <a:schemeClr val="accent2"/>
+          </a:effectRef>
+          <a:fontRef idx="minor">
+            <a:schemeClr val="lt1"/>
+          </a:fontRef>
+        </p:style>
+        <p:txBody>
+          <a:bodyPr lIns="91440" tIns="91440" rIns="34294" bIns="34294" rtlCol="0" anchor="ctr" anchorCtr="0"/>
+          <a:lstStyle/>
+          <a:p>
+            <a:pPr algn="ctr" defTabSz="932406"/>
+            <a:r>
+              <a:rPr lang="es-ES" sz="2400" dirty="0" err="1">
+                <a:gradFill>
+                  <a:gsLst>
+                    <a:gs pos="0">
+                      <a:srgbClr val="FFFFFF"/>
+                    </a:gs>
+                    <a:gs pos="100000">
+                      <a:srgbClr val="FFFFFF"/>
+                    </a:gs>
+                  </a:gsLst>
+                  <a:lin ang="5400000" scaled="0"/>
+                </a:gradFill>
+                <a:ea typeface="Segoe UI" pitchFamily="34" charset="0"/>
+                <a:cs typeface="Segoe UI" pitchFamily="34" charset="0"/>
+              </a:rPr>
+              <a:t>Entry</a:t>
+            </a:r>
+            <a:endParaRPr lang="en-US" sz="800" dirty="0">
+              <a:gradFill>
+                <a:gsLst>
+                  <a:gs pos="0">
+                    <a:srgbClr val="FFFFFF"/>
+                  </a:gs>
+                  <a:gs pos="100000">
+                    <a:srgbClr val="FFFFFF"/>
+                  </a:gs>
+                </a:gsLst>
+                <a:lin ang="5400000" scaled="0"/>
+              </a:gradFill>
+              <a:ea typeface="Segoe UI" pitchFamily="34" charset="0"/>
+              <a:cs typeface="Segoe UI" pitchFamily="34" charset="0"/>
+            </a:endParaRPr>
+          </a:p>
+        </p:txBody>
+      </p:sp>
+      <p:sp>
+        <p:nvSpPr>
+          <p:cNvPr id="11" name="Rectangle 10">
+            <a:extLst>
+              <a:ext uri="{FF2B5EF4-FFF2-40B4-BE49-F238E27FC236}">
+                <a16:creationId xmlns:a16="http://schemas.microsoft.com/office/drawing/2014/main" id="{ABDAD518-8B94-4735-9257-958059DDDF3F}"/>
+              </a:ext>
+            </a:extLst>
+          </p:cNvPr>
+          <p:cNvSpPr/>
+          <p:nvPr/>
+        </p:nvSpPr>
+        <p:spPr bwMode="auto">
+          <a:xfrm>
+            <a:off x="687159" y="5747359"/>
+            <a:ext cx="3007149" cy="430314"/>
+          </a:xfrm>
+          <a:prstGeom prst="rect">
+            <a:avLst/>
+          </a:prstGeom>
+          <a:solidFill>
+            <a:schemeClr val="accent3">
+              <a:lumMod val="90000"/>
+            </a:schemeClr>
+          </a:solidFill>
+          <a:ln>
+            <a:noFill/>
+            <a:headEnd type="none" w="med" len="med"/>
+            <a:tailEnd type="none" w="med" len="med"/>
+          </a:ln>
+          <a:effectLst/>
+        </p:spPr>
+        <p:style>
+          <a:lnRef idx="1">
+            <a:schemeClr val="accent2"/>
+          </a:lnRef>
+          <a:fillRef idx="3">
+            <a:schemeClr val="accent2"/>
+          </a:fillRef>
+          <a:effectRef idx="2">
+            <a:schemeClr val="accent2"/>
+          </a:effectRef>
+          <a:fontRef idx="minor">
+            <a:schemeClr val="lt1"/>
+          </a:fontRef>
+        </p:style>
+        <p:txBody>
+          <a:bodyPr lIns="91440" tIns="91440" rIns="34294" bIns="34294" rtlCol="0" anchor="ctr" anchorCtr="0"/>
+          <a:lstStyle/>
+          <a:p>
+            <a:pPr algn="ctr" defTabSz="932406"/>
+            <a:r>
+              <a:rPr lang="es-ES" sz="2400" dirty="0" err="1">
+                <a:gradFill>
+                  <a:gsLst>
+                    <a:gs pos="0">
+                      <a:srgbClr val="FFFFFF"/>
+                    </a:gs>
+                    <a:gs pos="100000">
+                      <a:srgbClr val="FFFFFF"/>
+                    </a:gs>
+                  </a:gsLst>
+                  <a:lin ang="5400000" scaled="0"/>
+                </a:gradFill>
+                <a:ea typeface="Segoe UI" pitchFamily="34" charset="0"/>
+                <a:cs typeface="Segoe UI" pitchFamily="34" charset="0"/>
+              </a:rPr>
+              <a:t>Button</a:t>
+            </a:r>
+            <a:endParaRPr lang="en-US" sz="800" dirty="0">
+              <a:gradFill>
+                <a:gsLst>
+                  <a:gs pos="0">
+                    <a:srgbClr val="FFFFFF"/>
+                  </a:gs>
+                  <a:gs pos="100000">
+                    <a:srgbClr val="FFFFFF"/>
+                  </a:gs>
+                </a:gsLst>
+                <a:lin ang="5400000" scaled="0"/>
+              </a:gradFill>
+              <a:ea typeface="Segoe UI" pitchFamily="34" charset="0"/>
+              <a:cs typeface="Segoe UI" pitchFamily="34" charset="0"/>
+            </a:endParaRPr>
+          </a:p>
+        </p:txBody>
+      </p:sp>
+      <p:pic>
+        <p:nvPicPr>
+          <p:cNvPr id="13" name="Picture 12">
+            <a:extLst>
+              <a:ext uri="{FF2B5EF4-FFF2-40B4-BE49-F238E27FC236}">
+                <a16:creationId xmlns:a16="http://schemas.microsoft.com/office/drawing/2014/main" id="{2EC9F1C7-538A-4379-8AD5-624A3E0CF281}"/>
+              </a:ext>
+            </a:extLst>
+          </p:cNvPr>
+          <p:cNvPicPr>
+            <a:picLocks noChangeAspect="1"/>
+          </p:cNvPicPr>
+          <p:nvPr/>
+        </p:nvPicPr>
+        <p:blipFill>
+          <a:blip r:embed="rId2"/>
+          <a:stretch>
+            <a:fillRect/>
+          </a:stretch>
+        </p:blipFill>
+        <p:spPr>
+          <a:xfrm>
+            <a:off x="8523514" y="1521055"/>
+            <a:ext cx="2981325" cy="4838700"/>
+          </a:xfrm>
+          <a:prstGeom prst="rect">
+            <a:avLst/>
+          </a:prstGeom>
+        </p:spPr>
+      </p:pic>
+    </p:spTree>
+    <p:extLst>
+      <p:ext uri="{BB962C8B-B14F-4D97-AF65-F5344CB8AC3E}">
+        <p14:creationId xmlns:p14="http://schemas.microsoft.com/office/powerpoint/2010/main" val="2891783287"/>
+      </p:ext>
+    </p:extLst>
+  </p:cSld>
+  <p:clrMapOvr>
+    <a:masterClrMapping/>
+  </p:clrMapOvr>
+  <p:transition>
+    <p:fade/>
+  </p:transition>
+</p:sld>
+</file>
+
+<file path=ppt/slides/slide6.xml><?xml version="1.0" encoding="utf-8"?>
 <p:sld xmlns:a="http://schemas.openxmlformats.org/drawingml/2006/main" xmlns:r="http://schemas.openxmlformats.org/officeDocument/2006/relationships" xmlns:p="http://schemas.openxmlformats.org/presentationml/2006/main">
   <p:cSld>
     <p:spTree>

--- a/Bloque 1 - Introducción al desarrollo multiplataforma con .NET MAUI/Taller3 - Anatomía de una App .NET MAUI.pptx
+++ b/Bloque 1 - Introducción al desarrollo multiplataforma con .NET MAUI/Taller3 - Anatomía de una App .NET MAUI.pptx
@@ -3453,7 +3453,7 @@
           <a:p>
             <a:fld id="{A334C884-B1D7-A043-A4AA-521744755A4B}" type="datetimeFigureOut">
               <a:rPr lang="en-US" smtClean="0"/>
-              <a:t>4/3/2022</a:t>
+              <a:t>4/21/2022</a:t>
             </a:fld>
             <a:endParaRPr lang="en-US"/>
           </a:p>
@@ -4007,7 +4007,7 @@
           <a:p>
             <a:fld id="{E74353ED-ACB2-44BF-A903-985B0AF962B7}" type="datetime1">
               <a:rPr lang="en-US" smtClean="0"/>
-              <a:t>4/3/2022</a:t>
+              <a:t>4/21/2022</a:t>
             </a:fld>
             <a:endParaRPr lang="en-US" dirty="0"/>
           </a:p>
@@ -6785,7 +6785,7 @@
           <a:p>
             <a:fld id="{0A627400-D089-7447-864B-77479EBD4214}" type="datetimeFigureOut">
               <a:rPr lang="en-US" smtClean="0"/>
-              <a:t>4/3/2022</a:t>
+              <a:t>4/21/2022</a:t>
             </a:fld>
             <a:endParaRPr lang="en-US"/>
           </a:p>
@@ -6983,7 +6983,7 @@
           <a:p>
             <a:fld id="{0A627400-D089-7447-864B-77479EBD4214}" type="datetimeFigureOut">
               <a:rPr lang="en-US" smtClean="0"/>
-              <a:t>4/3/2022</a:t>
+              <a:t>4/21/2022</a:t>
             </a:fld>
             <a:endParaRPr lang="en-US"/>
           </a:p>
@@ -7258,7 +7258,7 @@
           <a:p>
             <a:fld id="{0A627400-D089-7447-864B-77479EBD4214}" type="datetimeFigureOut">
               <a:rPr lang="en-US" smtClean="0"/>
-              <a:t>4/3/2022</a:t>
+              <a:t>4/21/2022</a:t>
             </a:fld>
             <a:endParaRPr lang="en-US"/>
           </a:p>
@@ -7723,7 +7723,7 @@
           <a:p>
             <a:fld id="{0A627400-D089-7447-864B-77479EBD4214}" type="datetimeFigureOut">
               <a:rPr lang="en-US" smtClean="0"/>
-              <a:t>4/3/2022</a:t>
+              <a:t>4/21/2022</a:t>
             </a:fld>
             <a:endParaRPr lang="en-US"/>
           </a:p>
@@ -8135,7 +8135,7 @@
           <a:p>
             <a:fld id="{0A627400-D089-7447-864B-77479EBD4214}" type="datetimeFigureOut">
               <a:rPr lang="en-US" smtClean="0"/>
-              <a:t>4/3/2022</a:t>
+              <a:t>4/21/2022</a:t>
             </a:fld>
             <a:endParaRPr lang="en-US"/>
           </a:p>
@@ -8341,7 +8341,7 @@
           <a:p>
             <a:fld id="{0A627400-D089-7447-864B-77479EBD4214}" type="datetimeFigureOut">
               <a:rPr lang="en-US" smtClean="0"/>
-              <a:t>4/3/2022</a:t>
+              <a:t>4/21/2022</a:t>
             </a:fld>
             <a:endParaRPr lang="en-US"/>
           </a:p>
@@ -8483,7 +8483,7 @@
             <a:fld id="{0A627400-D089-7447-864B-77479EBD4214}" type="datetimeFigureOut">
               <a:rPr lang="en-US" smtClean="0"/>
               <a:pPr/>
-              <a:t>4/3/2022</a:t>
+              <a:t>4/21/2022</a:t>
             </a:fld>
             <a:endParaRPr lang="en-US"/>
           </a:p>
@@ -8647,7 +8647,7 @@
           <a:p>
             <a:fld id="{0A627400-D089-7447-864B-77479EBD4214}" type="datetimeFigureOut">
               <a:rPr lang="en-US" smtClean="0"/>
-              <a:t>4/3/2022</a:t>
+              <a:t>4/21/2022</a:t>
             </a:fld>
             <a:endParaRPr lang="en-US"/>
           </a:p>
@@ -8760,7 +8760,7 @@
           <a:p>
             <a:fld id="{0A627400-D089-7447-864B-77479EBD4214}" type="datetimeFigureOut">
               <a:rPr lang="en-US" smtClean="0"/>
-              <a:t>4/3/2022</a:t>
+              <a:t>4/21/2022</a:t>
             </a:fld>
             <a:endParaRPr lang="en-US"/>
           </a:p>
@@ -9071,7 +9071,7 @@
           <a:p>
             <a:fld id="{0A627400-D089-7447-864B-77479EBD4214}" type="datetimeFigureOut">
               <a:rPr lang="en-US" smtClean="0"/>
-              <a:t>4/3/2022</a:t>
+              <a:t>4/21/2022</a:t>
             </a:fld>
             <a:endParaRPr lang="en-US"/>
           </a:p>
@@ -9359,7 +9359,7 @@
           <a:p>
             <a:fld id="{0A627400-D089-7447-864B-77479EBD4214}" type="datetimeFigureOut">
               <a:rPr lang="en-US" smtClean="0"/>
-              <a:t>4/3/2022</a:t>
+              <a:t>4/21/2022</a:t>
             </a:fld>
             <a:endParaRPr lang="en-US"/>
           </a:p>
@@ -11612,7 +11612,7 @@
             <a:fld id="{0A627400-D089-7447-864B-77479EBD4214}" type="datetimeFigureOut">
               <a:rPr lang="en-US" smtClean="0"/>
               <a:pPr/>
-              <a:t>4/3/2022</a:t>
+              <a:t>4/21/2022</a:t>
             </a:fld>
             <a:endParaRPr lang="en-US"/>
           </a:p>
@@ -12052,10 +12052,6 @@
           <a:bodyPr/>
           <a:lstStyle/>
           <a:p>
-            <a:r>
-              <a:rPr lang="en-US" sz="5400" b="1" dirty="0"/>
-              <a:t>¿</a:t>
-            </a:r>
             <a:r>
               <a:rPr lang="en-US" sz="5400" b="1" dirty="0" err="1"/>
               <a:t>Anatomía</a:t>
